--- a/SHAHZAD_Statistics_Presentation.pptx
+++ b/SHAHZAD_Statistics_Presentation.pptx
@@ -5,7 +5,7 @@
     <p:sldMasterId id="2147484109" r:id="rId1"/>
   </p:sldMasterIdLst>
   <p:notesMasterIdLst>
-    <p:notesMasterId r:id="rId24"/>
+    <p:notesMasterId r:id="rId30"/>
   </p:notesMasterIdLst>
   <p:sldIdLst>
     <p:sldId id="287" r:id="rId2"/>
@@ -20,16 +20,22 @@
     <p:sldId id="454" r:id="rId11"/>
     <p:sldId id="455" r:id="rId12"/>
     <p:sldId id="456" r:id="rId13"/>
-    <p:sldId id="457" r:id="rId14"/>
-    <p:sldId id="458" r:id="rId15"/>
-    <p:sldId id="459" r:id="rId16"/>
-    <p:sldId id="460" r:id="rId17"/>
-    <p:sldId id="461" r:id="rId18"/>
-    <p:sldId id="463" r:id="rId19"/>
-    <p:sldId id="464" r:id="rId20"/>
-    <p:sldId id="465" r:id="rId21"/>
-    <p:sldId id="466" r:id="rId22"/>
-    <p:sldId id="462" r:id="rId23"/>
+    <p:sldId id="458" r:id="rId14"/>
+    <p:sldId id="459" r:id="rId15"/>
+    <p:sldId id="460" r:id="rId16"/>
+    <p:sldId id="461" r:id="rId17"/>
+    <p:sldId id="463" r:id="rId18"/>
+    <p:sldId id="464" r:id="rId19"/>
+    <p:sldId id="467" r:id="rId20"/>
+    <p:sldId id="468" r:id="rId21"/>
+    <p:sldId id="469" r:id="rId22"/>
+    <p:sldId id="470" r:id="rId23"/>
+    <p:sldId id="471" r:id="rId24"/>
+    <p:sldId id="472" r:id="rId25"/>
+    <p:sldId id="465" r:id="rId26"/>
+    <p:sldId id="473" r:id="rId27"/>
+    <p:sldId id="466" r:id="rId28"/>
+    <p:sldId id="462" r:id="rId29"/>
   </p:sldIdLst>
   <p:sldSz cx="16459200" cy="9144000"/>
   <p:notesSz cx="9144000" cy="6858000"/>
@@ -129,8 +135,44 @@
     </a:lvl9pPr>
   </p:defaultTextStyle>
   <p:extLst>
+    <p:ext uri="{521415D9-36F7-43E2-AB2F-B90AF26B5E84}">
+      <p14:sectionLst xmlns:p14="http://schemas.microsoft.com/office/powerpoint/2010/main">
+        <p14:section name="Default Section" id="{189F4B69-6DE0-4B6F-8138-D66123C0BD22}">
+          <p14:sldIdLst>
+            <p14:sldId id="287"/>
+            <p14:sldId id="442"/>
+            <p14:sldId id="444"/>
+            <p14:sldId id="448"/>
+            <p14:sldId id="449"/>
+            <p14:sldId id="450"/>
+            <p14:sldId id="451"/>
+            <p14:sldId id="452"/>
+            <p14:sldId id="453"/>
+            <p14:sldId id="454"/>
+            <p14:sldId id="455"/>
+            <p14:sldId id="456"/>
+            <p14:sldId id="458"/>
+            <p14:sldId id="459"/>
+            <p14:sldId id="460"/>
+            <p14:sldId id="461"/>
+            <p14:sldId id="463"/>
+            <p14:sldId id="464"/>
+            <p14:sldId id="467"/>
+            <p14:sldId id="468"/>
+            <p14:sldId id="469"/>
+            <p14:sldId id="470"/>
+            <p14:sldId id="471"/>
+            <p14:sldId id="472"/>
+            <p14:sldId id="465"/>
+            <p14:sldId id="473"/>
+            <p14:sldId id="466"/>
+            <p14:sldId id="462"/>
+          </p14:sldIdLst>
+        </p14:section>
+      </p14:sectionLst>
+    </p:ext>
     <p:ext uri="{EFAFB233-063F-42B5-8137-9DF3F51BA10A}">
-      <p15:sldGuideLst xmlns:p15="http://schemas.microsoft.com/office/powerpoint/2012/main" xmlns="">
+      <p15:sldGuideLst xmlns="" xmlns:p15="http://schemas.microsoft.com/office/powerpoint/2012/main">
         <p15:guide id="1" orient="horz" pos="2881">
           <p15:clr>
             <a:srgbClr val="A4A3A4"/>
@@ -230,7 +272,7 @@
             <a:fld id="{78457009-808B-47DB-B07B-2DC6220F6EE9}" type="datetimeFigureOut">
               <a:rPr lang="en-US" smtClean="0"/>
               <a:pPr/>
-              <a:t>6/1/2024</a:t>
+              <a:t>6/5/2024</a:t>
             </a:fld>
             <a:endParaRPr lang="en-US" dirty="0"/>
           </a:p>
@@ -687,7 +729,7 @@
             <a:fld id="{45E8AF5D-3CE2-4642-BE13-2FAF4F533C4B}" type="datetimeFigureOut">
               <a:rPr lang="en-US" smtClean="0"/>
               <a:pPr/>
-              <a:t>6/1/2024</a:t>
+              <a:t>6/5/2024</a:t>
             </a:fld>
             <a:endParaRPr lang="en-US" dirty="0"/>
           </a:p>
@@ -1027,7 +1069,7 @@
             <a:fld id="{45E8AF5D-3CE2-4642-BE13-2FAF4F533C4B}" type="datetimeFigureOut">
               <a:rPr lang="en-US" smtClean="0"/>
               <a:pPr/>
-              <a:t>6/1/2024</a:t>
+              <a:t>6/5/2024</a:t>
             </a:fld>
             <a:endParaRPr lang="en-US" dirty="0"/>
           </a:p>
@@ -1430,7 +1472,7 @@
             <a:fld id="{45E8AF5D-3CE2-4642-BE13-2FAF4F533C4B}" type="datetimeFigureOut">
               <a:rPr lang="en-US" smtClean="0"/>
               <a:pPr/>
-              <a:t>6/1/2024</a:t>
+              <a:t>6/5/2024</a:t>
             </a:fld>
             <a:endParaRPr lang="en-US" dirty="0"/>
           </a:p>
@@ -1768,7 +1810,7 @@
             <a:fld id="{45E8AF5D-3CE2-4642-BE13-2FAF4F533C4B}" type="datetimeFigureOut">
               <a:rPr lang="en-US" smtClean="0"/>
               <a:pPr/>
-              <a:t>6/1/2024</a:t>
+              <a:t>6/5/2024</a:t>
             </a:fld>
             <a:endParaRPr lang="en-US" dirty="0"/>
           </a:p>
@@ -2090,7 +2132,7 @@
             <a:fld id="{45E8AF5D-3CE2-4642-BE13-2FAF4F533C4B}" type="datetimeFigureOut">
               <a:rPr lang="en-US" smtClean="0"/>
               <a:pPr/>
-              <a:t>6/1/2024</a:t>
+              <a:t>6/5/2024</a:t>
             </a:fld>
             <a:endParaRPr lang="en-US" dirty="0"/>
           </a:p>
@@ -2488,7 +2530,7 @@
             <a:fld id="{45E8AF5D-3CE2-4642-BE13-2FAF4F533C4B}" type="datetimeFigureOut">
               <a:rPr lang="en-US" smtClean="0"/>
               <a:pPr/>
-              <a:t>6/1/2024</a:t>
+              <a:t>6/5/2024</a:t>
             </a:fld>
             <a:endParaRPr lang="en-US" dirty="0"/>
           </a:p>
@@ -2747,7 +2789,7 @@
             <a:fld id="{45E8AF5D-3CE2-4642-BE13-2FAF4F533C4B}" type="datetimeFigureOut">
               <a:rPr lang="en-US" smtClean="0"/>
               <a:pPr/>
-              <a:t>6/1/2024</a:t>
+              <a:t>6/5/2024</a:t>
             </a:fld>
             <a:endParaRPr lang="en-US" dirty="0"/>
           </a:p>
@@ -3011,7 +3053,7 @@
             <a:fld id="{45E8AF5D-3CE2-4642-BE13-2FAF4F533C4B}" type="datetimeFigureOut">
               <a:rPr lang="en-US" smtClean="0"/>
               <a:pPr/>
-              <a:t>6/1/2024</a:t>
+              <a:t>6/5/2024</a:t>
             </a:fld>
             <a:endParaRPr lang="en-US" dirty="0"/>
           </a:p>
@@ -3275,7 +3317,7 @@
             <a:fld id="{45E8AF5D-3CE2-4642-BE13-2FAF4F533C4B}" type="datetimeFigureOut">
               <a:rPr lang="en-US" smtClean="0"/>
               <a:pPr/>
-              <a:t>6/1/2024</a:t>
+              <a:t>6/5/2024</a:t>
             </a:fld>
             <a:endParaRPr lang="en-US" dirty="0"/>
           </a:p>
@@ -3606,7 +3648,7 @@
             <a:fld id="{45E8AF5D-3CE2-4642-BE13-2FAF4F533C4B}" type="datetimeFigureOut">
               <a:rPr lang="en-US" smtClean="0"/>
               <a:pPr/>
-              <a:t>6/1/2024</a:t>
+              <a:t>6/5/2024</a:t>
             </a:fld>
             <a:endParaRPr lang="en-US" dirty="0"/>
           </a:p>
@@ -3931,7 +3973,7 @@
             <a:fld id="{45E8AF5D-3CE2-4642-BE13-2FAF4F533C4B}" type="datetimeFigureOut">
               <a:rPr lang="en-US" smtClean="0"/>
               <a:pPr/>
-              <a:t>6/1/2024</a:t>
+              <a:t>6/5/2024</a:t>
             </a:fld>
             <a:endParaRPr lang="en-US" dirty="0"/>
           </a:p>
@@ -4390,7 +4432,7 @@
             <a:fld id="{45E8AF5D-3CE2-4642-BE13-2FAF4F533C4B}" type="datetimeFigureOut">
               <a:rPr lang="en-US" smtClean="0"/>
               <a:pPr/>
-              <a:t>6/1/2024</a:t>
+              <a:t>6/5/2024</a:t>
             </a:fld>
             <a:endParaRPr lang="en-US" dirty="0"/>
           </a:p>
@@ -4597,7 +4639,7 @@
             <a:fld id="{45E8AF5D-3CE2-4642-BE13-2FAF4F533C4B}" type="datetimeFigureOut">
               <a:rPr lang="en-US" smtClean="0"/>
               <a:pPr/>
-              <a:t>6/1/2024</a:t>
+              <a:t>6/5/2024</a:t>
             </a:fld>
             <a:endParaRPr lang="en-US" dirty="0"/>
           </a:p>
@@ -4776,7 +4818,7 @@
             <a:fld id="{45E8AF5D-3CE2-4642-BE13-2FAF4F533C4B}" type="datetimeFigureOut">
               <a:rPr lang="en-US" smtClean="0"/>
               <a:pPr/>
-              <a:t>6/1/2024</a:t>
+              <a:t>6/5/2024</a:t>
             </a:fld>
             <a:endParaRPr lang="en-US" dirty="0"/>
           </a:p>
@@ -5111,7 +5153,7 @@
             <a:fld id="{45E8AF5D-3CE2-4642-BE13-2FAF4F533C4B}" type="datetimeFigureOut">
               <a:rPr lang="en-US" smtClean="0"/>
               <a:pPr/>
-              <a:t>6/1/2024</a:t>
+              <a:t>6/5/2024</a:t>
             </a:fld>
             <a:endParaRPr lang="en-US" dirty="0"/>
           </a:p>
@@ -5458,7 +5500,7 @@
             <a:fld id="{45E8AF5D-3CE2-4642-BE13-2FAF4F533C4B}" type="datetimeFigureOut">
               <a:rPr lang="en-US" smtClean="0"/>
               <a:pPr/>
-              <a:t>6/1/2024</a:t>
+              <a:t>6/5/2024</a:t>
             </a:fld>
             <a:endParaRPr lang="en-US" dirty="0"/>
           </a:p>
@@ -7577,7 +7619,7 @@
             <a:fld id="{45E8AF5D-3CE2-4642-BE13-2FAF4F533C4B}" type="datetimeFigureOut">
               <a:rPr lang="en-US" smtClean="0"/>
               <a:pPr/>
-              <a:t>6/1/2024</a:t>
+              <a:t>6/5/2024</a:t>
             </a:fld>
             <a:endParaRPr lang="en-US" dirty="0"/>
           </a:p>
@@ -8275,25 +8317,7 @@
                 </a:solidFill>
                 <a:latin typeface="Arrival mi"/>
               </a:rPr>
-              <a:t>Scientific </a:t>
-            </a:r>
-            <a:r>
-              <a:rPr lang="en-US" b="1" dirty="0" smtClean="0">
-                <a:solidFill>
-                  <a:srgbClr val="00B050"/>
-                </a:solidFill>
-                <a:latin typeface="Arrival mi"/>
-              </a:rPr>
-              <a:t>and Data Intensive </a:t>
-            </a:r>
-            <a:r>
-              <a:rPr lang="en-US" b="1" dirty="0" smtClean="0">
-                <a:solidFill>
-                  <a:srgbClr val="00B050"/>
-                </a:solidFill>
-                <a:latin typeface="Arrival mi"/>
-              </a:rPr>
-              <a:t>Computing (SDIC)</a:t>
+              <a:t>Scientific and Data Intensive Computing (SDIC)</a:t>
             </a:r>
             <a:endParaRPr lang="en-US" b="1" dirty="0">
               <a:solidFill>
@@ -9142,278 +9166,6 @@
           <a:bodyPr/>
           <a:lstStyle/>
           <a:p>
-            <a:pPr algn="ctr"/>
-            <a:r>
-              <a:rPr lang="en-US" dirty="0">
-                <a:latin typeface="Times New Roman" pitchFamily="18" charset="0"/>
-                <a:cs typeface="Times New Roman" pitchFamily="18" charset="0"/>
-              </a:rPr>
-              <a:t>Install Helm</a:t>
-            </a:r>
-            <a:br>
-              <a:rPr lang="en-US" dirty="0">
-                <a:latin typeface="Times New Roman" pitchFamily="18" charset="0"/>
-                <a:cs typeface="Times New Roman" pitchFamily="18" charset="0"/>
-              </a:rPr>
-            </a:br>
-            <a:endParaRPr lang="en-US" dirty="0">
-              <a:latin typeface="Times New Roman" pitchFamily="18" charset="0"/>
-              <a:cs typeface="Times New Roman" pitchFamily="18" charset="0"/>
-            </a:endParaRPr>
-          </a:p>
-        </p:txBody>
-      </p:sp>
-      <p:sp>
-        <p:nvSpPr>
-          <p:cNvPr id="3" name="Content Placeholder 2"/>
-          <p:cNvSpPr>
-            <a:spLocks noGrp="1"/>
-          </p:cNvSpPr>
-          <p:nvPr>
-            <p:ph idx="1"/>
-          </p:nvPr>
-        </p:nvSpPr>
-        <p:spPr>
-          <a:xfrm>
-            <a:off x="3048000" y="1828800"/>
-            <a:ext cx="12483226" cy="6052829"/>
-          </a:xfrm>
-        </p:spPr>
-        <p:txBody>
-          <a:bodyPr/>
-          <a:lstStyle/>
-          <a:p>
-            <a:r>
-              <a:rPr lang="en-US" b="1" dirty="0"/>
-              <a:t>Install Helm for </a:t>
-            </a:r>
-            <a:r>
-              <a:rPr lang="en-US" b="1" dirty="0" err="1"/>
-              <a:t>Kubernetes</a:t>
-            </a:r>
-            <a:r>
-              <a:rPr lang="en-US" b="1" dirty="0"/>
-              <a:t> Package </a:t>
-            </a:r>
-            <a:r>
-              <a:rPr lang="en-US" b="1" dirty="0" smtClean="0"/>
-              <a:t>Management</a:t>
-            </a:r>
-          </a:p>
-          <a:p>
-            <a:r>
-              <a:rPr lang="en-US" b="1" dirty="0" smtClean="0"/>
-              <a:t>Commands</a:t>
-            </a:r>
-          </a:p>
-          <a:p>
-            <a:pPr marL="0" indent="0">
-              <a:buNone/>
-            </a:pPr>
-            <a:r>
-              <a:rPr lang="en-US" dirty="0" err="1"/>
-              <a:t>wget</a:t>
-            </a:r>
-            <a:r>
-              <a:rPr lang="en-US" dirty="0"/>
-              <a:t> </a:t>
-            </a:r>
-            <a:r>
-              <a:rPr lang="en-US" dirty="0">
-                <a:hlinkClick r:id="rId2"/>
-              </a:rPr>
-              <a:t>https://</a:t>
-            </a:r>
-            <a:r>
-              <a:rPr lang="en-US" dirty="0" smtClean="0">
-                <a:hlinkClick r:id="rId2"/>
-              </a:rPr>
-              <a:t>get.helm.sh/helm-v3.7.1-linux-amd64.tar.gz</a:t>
-            </a:r>
-            <a:endParaRPr lang="en-US" dirty="0" smtClean="0"/>
-          </a:p>
-          <a:p>
-            <a:pPr marL="0" indent="0">
-              <a:buNone/>
-            </a:pPr>
-            <a:r>
-              <a:rPr lang="en-US" dirty="0" smtClean="0"/>
-              <a:t>tar </a:t>
-            </a:r>
-            <a:r>
-              <a:rPr lang="en-US" dirty="0"/>
-              <a:t>-</a:t>
-            </a:r>
-            <a:r>
-              <a:rPr lang="en-US" dirty="0" err="1"/>
-              <a:t>zxvf</a:t>
-            </a:r>
-            <a:r>
-              <a:rPr lang="en-US" dirty="0"/>
-              <a:t> helm-v3.7.1-linux-amd64.tar.gz</a:t>
-            </a:r>
-          </a:p>
-          <a:p>
-            <a:pPr marL="0" indent="0">
-              <a:buNone/>
-            </a:pPr>
-            <a:r>
-              <a:rPr lang="en-US" dirty="0" err="1"/>
-              <a:t>sudo</a:t>
-            </a:r>
-            <a:r>
-              <a:rPr lang="en-US" dirty="0"/>
-              <a:t> mv linux-amd64/helm /</a:t>
-            </a:r>
-            <a:r>
-              <a:rPr lang="en-US" dirty="0" err="1"/>
-              <a:t>usr</a:t>
-            </a:r>
-            <a:r>
-              <a:rPr lang="en-US" dirty="0"/>
-              <a:t>/local/bin/</a:t>
-            </a:r>
-          </a:p>
-          <a:p>
-            <a:pPr marL="0" indent="0">
-              <a:buNone/>
-            </a:pPr>
-            <a:r>
-              <a:rPr lang="en-US" dirty="0"/>
-              <a:t>helm </a:t>
-            </a:r>
-            <a:r>
-              <a:rPr lang="en-US" dirty="0" smtClean="0"/>
-              <a:t>version</a:t>
-            </a:r>
-          </a:p>
-          <a:p>
-            <a:pPr marL="0" indent="0">
-              <a:buNone/>
-            </a:pPr>
-            <a:r>
-              <a:rPr lang="en-US" b="1" dirty="0" smtClean="0"/>
-              <a:t> Verify Installation</a:t>
-            </a:r>
-          </a:p>
-          <a:p>
-            <a:pPr marL="0" indent="0">
-              <a:buNone/>
-            </a:pPr>
-            <a:r>
-              <a:rPr lang="en-US" dirty="0"/>
-              <a:t>helm search repo </a:t>
-            </a:r>
-            <a:r>
-              <a:rPr lang="en-US" dirty="0" err="1" smtClean="0"/>
-              <a:t>wordpress</a:t>
-            </a:r>
-            <a:endParaRPr lang="en-US" dirty="0" smtClean="0"/>
-          </a:p>
-          <a:p>
-            <a:pPr marL="0" indent="0">
-              <a:buNone/>
-            </a:pPr>
-            <a:r>
-              <a:rPr lang="en-US" b="1" dirty="0"/>
-              <a:t>Deploying with Helm</a:t>
-            </a:r>
-          </a:p>
-          <a:p>
-            <a:pPr marL="0" indent="0">
-              <a:buNone/>
-            </a:pPr>
-            <a:r>
-              <a:rPr lang="en-US" dirty="0"/>
-              <a:t>Helm Chart Deployment</a:t>
-            </a:r>
-          </a:p>
-          <a:p>
-            <a:pPr marL="0" indent="0">
-              <a:buNone/>
-            </a:pPr>
-            <a:endParaRPr lang="en-US" dirty="0"/>
-          </a:p>
-          <a:p>
-            <a:endParaRPr lang="en-US" dirty="0"/>
-          </a:p>
-        </p:txBody>
-      </p:sp>
-      <p:pic>
-        <p:nvPicPr>
-          <p:cNvPr id="4" name="Picture 3"/>
-          <p:cNvPicPr>
-            <a:picLocks noChangeAspect="1"/>
-          </p:cNvPicPr>
-          <p:nvPr/>
-        </p:nvPicPr>
-        <p:blipFill>
-          <a:blip r:embed="rId3">
-            <a:extLst>
-              <a:ext uri="{28A0092B-C50C-407E-A947-70E740481C1C}">
-                <a14:useLocalDpi xmlns:a14="http://schemas.microsoft.com/office/drawing/2010/main" val="0"/>
-              </a:ext>
-            </a:extLst>
-          </a:blip>
-          <a:stretch>
-            <a:fillRect/>
-          </a:stretch>
-        </p:blipFill>
-        <p:spPr>
-          <a:xfrm>
-            <a:off x="0" y="0"/>
-            <a:ext cx="16424597" cy="9144000"/>
-          </a:xfrm>
-          <a:prstGeom prst="rect">
-            <a:avLst/>
-          </a:prstGeom>
-        </p:spPr>
-      </p:pic>
-    </p:spTree>
-    <p:extLst>
-      <p:ext uri="{BB962C8B-B14F-4D97-AF65-F5344CB8AC3E}">
-        <p14:creationId xmlns:p14="http://schemas.microsoft.com/office/powerpoint/2010/main" val="4085390524"/>
-      </p:ext>
-    </p:extLst>
-  </p:cSld>
-  <p:clrMapOvr>
-    <a:masterClrMapping/>
-  </p:clrMapOvr>
-</p:sld>
-</file>
-
-<file path=ppt/slides/slide14.xml><?xml version="1.0" encoding="utf-8"?>
-<p:sld xmlns:a="http://schemas.openxmlformats.org/drawingml/2006/main" xmlns:r="http://schemas.openxmlformats.org/officeDocument/2006/relationships" xmlns:p="http://schemas.openxmlformats.org/presentationml/2006/main">
-  <p:cSld>
-    <p:spTree>
-      <p:nvGrpSpPr>
-        <p:cNvPr id="1" name=""/>
-        <p:cNvGrpSpPr/>
-        <p:nvPr/>
-      </p:nvGrpSpPr>
-      <p:grpSpPr>
-        <a:xfrm>
-          <a:off x="0" y="0"/>
-          <a:ext cx="0" cy="0"/>
-          <a:chOff x="0" y="0"/>
-          <a:chExt cx="0" cy="0"/>
-        </a:xfrm>
-      </p:grpSpPr>
-      <p:sp>
-        <p:nvSpPr>
-          <p:cNvPr id="2" name="Title 1"/>
-          <p:cNvSpPr>
-            <a:spLocks noGrp="1"/>
-          </p:cNvSpPr>
-          <p:nvPr>
-            <p:ph type="title"/>
-          </p:nvPr>
-        </p:nvSpPr>
-        <p:spPr/>
-        <p:txBody>
-          <a:bodyPr/>
-          <a:lstStyle/>
-          <a:p>
             <a:r>
               <a:rPr lang="en-US" b="1" dirty="0"/>
               <a:t>Create Chart Directory Structure:</a:t>
@@ -9575,6 +9327,216 @@
 </p:sld>
 </file>
 
+<file path=ppt/slides/slide14.xml><?xml version="1.0" encoding="utf-8"?>
+<p:sld xmlns:a="http://schemas.openxmlformats.org/drawingml/2006/main" xmlns:r="http://schemas.openxmlformats.org/officeDocument/2006/relationships" xmlns:p="http://schemas.openxmlformats.org/presentationml/2006/main">
+  <p:cSld>
+    <p:spTree>
+      <p:nvGrpSpPr>
+        <p:cNvPr id="1" name=""/>
+        <p:cNvGrpSpPr/>
+        <p:nvPr/>
+      </p:nvGrpSpPr>
+      <p:grpSpPr>
+        <a:xfrm>
+          <a:off x="0" y="0"/>
+          <a:ext cx="0" cy="0"/>
+          <a:chOff x="0" y="0"/>
+          <a:chExt cx="0" cy="0"/>
+        </a:xfrm>
+      </p:grpSpPr>
+      <p:sp>
+        <p:nvSpPr>
+          <p:cNvPr id="2" name="Title 1"/>
+          <p:cNvSpPr>
+            <a:spLocks noGrp="1"/>
+          </p:cNvSpPr>
+          <p:nvPr>
+            <p:ph type="title"/>
+          </p:nvPr>
+        </p:nvSpPr>
+        <p:spPr/>
+        <p:txBody>
+          <a:bodyPr>
+            <a:normAutofit/>
+          </a:bodyPr>
+          <a:lstStyle/>
+          <a:p>
+            <a:r>
+              <a:rPr lang="en-US" sz="5400" b="1" dirty="0">
+                <a:solidFill>
+                  <a:schemeClr val="accent1">
+                    <a:lumMod val="60000"/>
+                    <a:lumOff val="40000"/>
+                  </a:schemeClr>
+                </a:solidFill>
+                <a:latin typeface="Arrival mi"/>
+              </a:rPr>
+              <a:t>Feature Scaling and Train-Test Split</a:t>
+            </a:r>
+          </a:p>
+        </p:txBody>
+      </p:sp>
+      <p:sp>
+        <p:nvSpPr>
+          <p:cNvPr id="3" name="Content Placeholder 2"/>
+          <p:cNvSpPr>
+            <a:spLocks noGrp="1"/>
+          </p:cNvSpPr>
+          <p:nvPr>
+            <p:ph idx="1"/>
+          </p:nvPr>
+        </p:nvSpPr>
+        <p:spPr>
+          <a:xfrm>
+            <a:off x="3495436" y="2209800"/>
+            <a:ext cx="12035790" cy="5671829"/>
+          </a:xfrm>
+        </p:spPr>
+        <p:txBody>
+          <a:bodyPr>
+            <a:normAutofit/>
+          </a:bodyPr>
+          <a:lstStyle/>
+          <a:p>
+            <a:pPr>
+              <a:lnSpc>
+                <a:spcPct val="150000"/>
+              </a:lnSpc>
+              <a:defRPr sz="2000"/>
+            </a:pPr>
+            <a:r>
+              <a:rPr lang="en-US" sz="4000" dirty="0">
+                <a:latin typeface="Arrival mi"/>
+              </a:rPr>
+              <a:t>Step 6: Scaling the </a:t>
+            </a:r>
+            <a:r>
+              <a:rPr lang="en-US" sz="4000" dirty="0" smtClean="0">
+                <a:latin typeface="Arrival mi"/>
+              </a:rPr>
+              <a:t>Features</a:t>
+            </a:r>
+            <a:endParaRPr lang="en-US" sz="4000" dirty="0">
+              <a:latin typeface="Arrival mi"/>
+            </a:endParaRPr>
+          </a:p>
+          <a:p>
+            <a:pPr>
+              <a:lnSpc>
+                <a:spcPct val="150000"/>
+              </a:lnSpc>
+              <a:defRPr sz="2000"/>
+            </a:pPr>
+            <a:r>
+              <a:rPr lang="en-US" sz="4000" dirty="0">
+                <a:latin typeface="Arrival mi"/>
+              </a:rPr>
+              <a:t> </a:t>
+            </a:r>
+            <a:r>
+              <a:rPr lang="en-US" sz="4000" dirty="0" smtClean="0">
+                <a:latin typeface="Arrival mi"/>
+              </a:rPr>
+              <a:t>Normalization </a:t>
+            </a:r>
+            <a:r>
+              <a:rPr lang="en-US" sz="4000" dirty="0">
+                <a:latin typeface="Arrival mi"/>
+              </a:rPr>
+              <a:t>using </a:t>
+            </a:r>
+            <a:r>
+              <a:rPr lang="en-US" sz="4000" dirty="0" err="1">
+                <a:latin typeface="Arrival mi"/>
+              </a:rPr>
+              <a:t>StandardScaler</a:t>
+            </a:r>
+            <a:r>
+              <a:rPr lang="en-US" sz="4000" dirty="0" smtClean="0">
+                <a:latin typeface="Arrival mi"/>
+              </a:rPr>
+              <a:t>.</a:t>
+            </a:r>
+            <a:endParaRPr lang="en-US" sz="4000" dirty="0">
+              <a:latin typeface="Arrival mi"/>
+            </a:endParaRPr>
+          </a:p>
+          <a:p>
+            <a:pPr>
+              <a:lnSpc>
+                <a:spcPct val="150000"/>
+              </a:lnSpc>
+              <a:defRPr sz="2000"/>
+            </a:pPr>
+            <a:r>
+              <a:rPr lang="en-US" sz="4000" dirty="0" smtClean="0">
+                <a:latin typeface="Arrival mi"/>
+              </a:rPr>
+              <a:t> Step </a:t>
+            </a:r>
+            <a:r>
+              <a:rPr lang="en-US" sz="4000" dirty="0">
+                <a:latin typeface="Arrival mi"/>
+              </a:rPr>
+              <a:t>7: Splitting the </a:t>
+            </a:r>
+            <a:r>
+              <a:rPr lang="en-US" sz="4000" dirty="0" smtClean="0">
+                <a:latin typeface="Arrival mi"/>
+              </a:rPr>
+              <a:t>Data</a:t>
+            </a:r>
+            <a:endParaRPr lang="en-US" sz="4000" dirty="0">
+              <a:latin typeface="Arrival mi"/>
+            </a:endParaRPr>
+          </a:p>
+          <a:p>
+            <a:pPr>
+              <a:lnSpc>
+                <a:spcPct val="150000"/>
+              </a:lnSpc>
+              <a:defRPr sz="2000"/>
+            </a:pPr>
+            <a:r>
+              <a:rPr lang="en-US" sz="4000" dirty="0" smtClean="0">
+                <a:latin typeface="Arrival mi"/>
+              </a:rPr>
+              <a:t> </a:t>
+            </a:r>
+            <a:r>
+              <a:rPr lang="en-US" sz="4000" dirty="0">
+                <a:latin typeface="Arrival mi"/>
+              </a:rPr>
+              <a:t>Train-Test split (80-20) using `</a:t>
+            </a:r>
+            <a:r>
+              <a:rPr lang="en-US" sz="4000" dirty="0" err="1">
+                <a:latin typeface="Arrival mi"/>
+              </a:rPr>
+              <a:t>train_test_split</a:t>
+            </a:r>
+            <a:r>
+              <a:rPr lang="en-US" sz="4000" dirty="0">
+                <a:latin typeface="Arrival mi"/>
+              </a:rPr>
+              <a:t>`.</a:t>
+            </a:r>
+          </a:p>
+        </p:txBody>
+      </p:sp>
+    </p:spTree>
+    <p:extLst>
+      <p:ext uri="{BB962C8B-B14F-4D97-AF65-F5344CB8AC3E}">
+        <p14:creationId xmlns:p14="http://schemas.microsoft.com/office/powerpoint/2010/main" val="2212272669"/>
+      </p:ext>
+    </p:extLst>
+  </p:cSld>
+  <p:clrMapOvr>
+    <a:masterClrMapping/>
+  </p:clrMapOvr>
+</p:sld>
+</file>
+
 <file path=ppt/slides/slide15.xml><?xml version="1.0" encoding="utf-8"?>
 <p:sld xmlns:a="http://schemas.openxmlformats.org/drawingml/2006/main" xmlns:r="http://schemas.openxmlformats.org/officeDocument/2006/relationships" xmlns:p="http://schemas.openxmlformats.org/presentationml/2006/main">
   <p:cSld>
@@ -9617,18 +9579,16 @@
                     <a:lumOff val="40000"/>
                   </a:schemeClr>
                 </a:solidFill>
-                <a:latin typeface="Arrival mi"/>
-              </a:rPr>
-              <a:t>Feature Scaling and Train-Test Split</a:t>
-            </a:r>
-            <a:endParaRPr lang="en-US" sz="5400" b="1" dirty="0">
+              </a:rPr>
+              <a:t>Model Training - Linear Regression</a:t>
+            </a:r>
+            <a:endParaRPr lang="en-US" sz="5400" dirty="0">
               <a:solidFill>
                 <a:schemeClr val="accent1">
                   <a:lumMod val="60000"/>
                   <a:lumOff val="40000"/>
                 </a:schemeClr>
               </a:solidFill>
-              <a:latin typeface="Arrival mi"/>
             </a:endParaRPr>
           </a:p>
         </p:txBody>
@@ -9645,8 +9605,8 @@
         </p:nvSpPr>
         <p:spPr>
           <a:xfrm>
-            <a:off x="3495436" y="2209800"/>
-            <a:ext cx="12035790" cy="5671829"/>
+            <a:off x="3495436" y="1981200"/>
+            <a:ext cx="12035790" cy="6553200"/>
           </a:xfrm>
         </p:spPr>
         <p:txBody>
@@ -9665,13 +9625,13 @@
               <a:rPr lang="en-US" sz="4000" dirty="0">
                 <a:latin typeface="Arrival mi"/>
               </a:rPr>
-              <a:t>Step 6: Scaling the </a:t>
+              <a:t>Model: Linear </a:t>
             </a:r>
             <a:r>
               <a:rPr lang="en-US" sz="4000" dirty="0" smtClean="0">
                 <a:latin typeface="Arrival mi"/>
               </a:rPr>
-              <a:t>Features</a:t>
+              <a:t>Regression</a:t>
             </a:r>
             <a:endParaRPr lang="en-US" sz="4000" dirty="0">
               <a:latin typeface="Arrival mi"/>
@@ -9688,25 +9648,7 @@
               <a:rPr lang="en-US" sz="4000" dirty="0">
                 <a:latin typeface="Arrival mi"/>
               </a:rPr>
-              <a:t> </a:t>
-            </a:r>
-            <a:r>
-              <a:rPr lang="en-US" sz="4000" dirty="0" smtClean="0">
-                <a:latin typeface="Arrival mi"/>
-              </a:rPr>
-              <a:t>Normalization </a:t>
-            </a:r>
-            <a:r>
-              <a:rPr lang="en-US" sz="4000" dirty="0">
-                <a:latin typeface="Arrival mi"/>
-              </a:rPr>
-              <a:t>using </a:t>
-            </a:r>
-            <a:r>
-              <a:rPr lang="en-US" sz="4000" dirty="0" err="1">
-                <a:latin typeface="Arrival mi"/>
-              </a:rPr>
-              <a:t>StandardScaler</a:t>
+              <a:t>Training: Fit the model on training data</a:t>
             </a:r>
             <a:r>
               <a:rPr lang="en-US" sz="4000" dirty="0" smtClean="0">
@@ -9726,22 +9668,16 @@
               <a:defRPr sz="2000"/>
             </a:pPr>
             <a:r>
+              <a:rPr lang="en-US" sz="4000" dirty="0">
+                <a:latin typeface="Arrival mi"/>
+              </a:rPr>
+              <a:t>Evaluation: MSE and R-squared on test data</a:t>
+            </a:r>
+            <a:r>
               <a:rPr lang="en-US" sz="4000" dirty="0" smtClean="0">
                 <a:latin typeface="Arrival mi"/>
               </a:rPr>
-              <a:t> Step </a:t>
-            </a:r>
-            <a:r>
-              <a:rPr lang="en-US" sz="4000" dirty="0">
-                <a:latin typeface="Arrival mi"/>
-              </a:rPr>
-              <a:t>7: Splitting the </a:t>
-            </a:r>
-            <a:r>
-              <a:rPr lang="en-US" sz="4000" dirty="0" smtClean="0">
-                <a:latin typeface="Arrival mi"/>
-              </a:rPr>
-              <a:t>Data</a:t>
+              <a:t>.</a:t>
             </a:r>
             <a:endParaRPr lang="en-US" sz="4000" dirty="0">
               <a:latin typeface="Arrival mi"/>
@@ -9755,6 +9691,20 @@
               <a:defRPr sz="2000"/>
             </a:pPr>
             <a:r>
+              <a:rPr lang="en-US" sz="4000" dirty="0">
+                <a:latin typeface="Arrival mi"/>
+              </a:rPr>
+              <a:t>Results:</a:t>
+            </a:r>
+          </a:p>
+          <a:p>
+            <a:pPr>
+              <a:lnSpc>
+                <a:spcPct val="150000"/>
+              </a:lnSpc>
+              <a:defRPr sz="2000"/>
+            </a:pPr>
+            <a:r>
               <a:rPr lang="en-US" sz="4000" dirty="0" smtClean="0">
                 <a:latin typeface="Arrival mi"/>
               </a:rPr>
@@ -9764,30 +9714,35 @@
               <a:rPr lang="en-US" sz="4000" dirty="0">
                 <a:latin typeface="Arrival mi"/>
               </a:rPr>
-              <a:t>Train-Test split (80-20) using `</a:t>
-            </a:r>
-            <a:r>
-              <a:rPr lang="en-US" sz="4000" dirty="0" err="1">
-                <a:latin typeface="Arrival mi"/>
-              </a:rPr>
-              <a:t>train_test_split</a:t>
+              <a:t>MSE: 4.8912</a:t>
+            </a:r>
+          </a:p>
+          <a:p>
+            <a:pPr>
+              <a:lnSpc>
+                <a:spcPct val="150000"/>
+              </a:lnSpc>
+              <a:defRPr sz="2000"/>
+            </a:pPr>
+            <a:r>
+              <a:rPr lang="en-US" sz="4000" dirty="0" smtClean="0">
+                <a:latin typeface="Arrival mi"/>
+              </a:rPr>
+              <a:t>-R2</a:t>
             </a:r>
             <a:r>
               <a:rPr lang="en-US" sz="4000" dirty="0">
                 <a:latin typeface="Arrival mi"/>
               </a:rPr>
-              <a:t>`.</a:t>
-            </a:r>
-            <a:endParaRPr lang="en-US" sz="4000" dirty="0">
-              <a:latin typeface="Arrival mi"/>
-            </a:endParaRPr>
+              <a:t>: 0.5482</a:t>
+            </a:r>
           </a:p>
         </p:txBody>
       </p:sp>
     </p:spTree>
     <p:extLst>
       <p:ext uri="{BB962C8B-B14F-4D97-AF65-F5344CB8AC3E}">
-        <p14:creationId xmlns:p14="http://schemas.microsoft.com/office/powerpoint/2010/main" val="2212272669"/>
+        <p14:creationId xmlns:p14="http://schemas.microsoft.com/office/powerpoint/2010/main" val="1085848563"/>
       </p:ext>
     </p:extLst>
   </p:cSld>
@@ -9839,8 +9794,9 @@
                     <a:lumOff val="40000"/>
                   </a:schemeClr>
                 </a:solidFill>
-              </a:rPr>
-              <a:t>Model Training - Linear Regression</a:t>
+                <a:latin typeface="Arrival mi"/>
+              </a:rPr>
+              <a:t>Model Training - Ridge Regression</a:t>
             </a:r>
             <a:endParaRPr lang="en-US" sz="5400" dirty="0">
               <a:solidFill>
@@ -9849,6 +9805,7 @@
                   <a:lumOff val="40000"/>
                 </a:schemeClr>
               </a:solidFill>
+              <a:latin typeface="Arrival mi"/>
             </a:endParaRPr>
           </a:p>
         </p:txBody>
@@ -9865,13 +9822,13 @@
         </p:nvSpPr>
         <p:spPr>
           <a:xfrm>
-            <a:off x="3495436" y="1981200"/>
-            <a:ext cx="12035790" cy="6553200"/>
+            <a:off x="3495436" y="2133600"/>
+            <a:ext cx="12035790" cy="6477000"/>
           </a:xfrm>
         </p:spPr>
         <p:txBody>
           <a:bodyPr>
-            <a:normAutofit/>
+            <a:noAutofit/>
           </a:bodyPr>
           <a:lstStyle/>
           <a:p>
@@ -9885,7 +9842,7 @@
               <a:rPr lang="en-US" sz="4000" dirty="0">
                 <a:latin typeface="Arrival mi"/>
               </a:rPr>
-              <a:t>Model: Linear </a:t>
+              <a:t>Model: Ridge </a:t>
             </a:r>
             <a:r>
               <a:rPr lang="en-US" sz="4000" dirty="0" smtClean="0">
@@ -9974,7 +9931,7 @@
               <a:rPr lang="en-US" sz="4000" dirty="0">
                 <a:latin typeface="Arrival mi"/>
               </a:rPr>
-              <a:t>MSE: 4.8912</a:t>
+              <a:t>MSE: 4.8911</a:t>
             </a:r>
           </a:p>
           <a:p>
@@ -9988,24 +9945,21 @@
               <a:rPr lang="en-US" sz="4000" dirty="0" smtClean="0">
                 <a:latin typeface="Arrival mi"/>
               </a:rPr>
-              <a:t>-R2</a:t>
+              <a:t> </a:t>
             </a:r>
             <a:r>
               <a:rPr lang="en-US" sz="4000" dirty="0">
                 <a:latin typeface="Arrival mi"/>
               </a:rPr>
-              <a:t>: 0.5482</a:t>
-            </a:r>
-            <a:endParaRPr lang="en-US" sz="4000" dirty="0">
-              <a:latin typeface="Arrival mi"/>
-            </a:endParaRPr>
+              <a:t>R2: 0.5482</a:t>
+            </a:r>
           </a:p>
         </p:txBody>
       </p:sp>
     </p:spTree>
     <p:extLst>
       <p:ext uri="{BB962C8B-B14F-4D97-AF65-F5344CB8AC3E}">
-        <p14:creationId xmlns:p14="http://schemas.microsoft.com/office/powerpoint/2010/main" val="1085848563"/>
+        <p14:creationId xmlns:p14="http://schemas.microsoft.com/office/powerpoint/2010/main" val="1730916892"/>
       </p:ext>
     </p:extLst>
   </p:cSld>
@@ -10059,17 +10013,8 @@
                 </a:solidFill>
                 <a:latin typeface="Arrival mi"/>
               </a:rPr>
-              <a:t>Model Training - Ridge Regression</a:t>
-            </a:r>
-            <a:endParaRPr lang="en-US" sz="5400" dirty="0">
-              <a:solidFill>
-                <a:schemeClr val="accent1">
-                  <a:lumMod val="60000"/>
-                  <a:lumOff val="40000"/>
-                </a:schemeClr>
-              </a:solidFill>
-              <a:latin typeface="Arrival mi"/>
-            </a:endParaRPr>
+              <a:t>Model Training - Lasso Regression</a:t>
+            </a:r>
           </a:p>
         </p:txBody>
       </p:sp>
@@ -10085,8 +10030,8 @@
         </p:nvSpPr>
         <p:spPr>
           <a:xfrm>
-            <a:off x="3495436" y="2133600"/>
-            <a:ext cx="12035790" cy="6477000"/>
+            <a:off x="3495436" y="2057400"/>
+            <a:ext cx="12035790" cy="5824229"/>
           </a:xfrm>
         </p:spPr>
         <p:txBody>
@@ -10102,20 +10047,17 @@
               <a:defRPr sz="2000"/>
             </a:pPr>
             <a:r>
+              <a:rPr lang="en-US" sz="4000" dirty="0" smtClean="0">
+                <a:latin typeface="Arrival mi"/>
+              </a:rPr>
+              <a:t> Model</a:t>
+            </a:r>
+            <a:r>
               <a:rPr lang="en-US" sz="4000" dirty="0">
                 <a:latin typeface="Arrival mi"/>
               </a:rPr>
-              <a:t>Model: Ridge </a:t>
-            </a:r>
-            <a:r>
-              <a:rPr lang="en-US" sz="4000" dirty="0" smtClean="0">
-                <a:latin typeface="Arrival mi"/>
-              </a:rPr>
-              <a:t>Regression</a:t>
-            </a:r>
-            <a:endParaRPr lang="en-US" sz="4000" dirty="0">
-              <a:latin typeface="Arrival mi"/>
-            </a:endParaRPr>
+              <a:t>: Lasso Regression</a:t>
+            </a:r>
           </a:p>
           <a:p>
             <a:pPr>
@@ -10125,20 +10067,17 @@
               <a:defRPr sz="2000"/>
             </a:pPr>
             <a:r>
+              <a:rPr lang="en-US" sz="4000" dirty="0" smtClean="0">
+                <a:latin typeface="Arrival mi"/>
+              </a:rPr>
+              <a:t> Training</a:t>
+            </a:r>
+            <a:r>
               <a:rPr lang="en-US" sz="4000" dirty="0">
                 <a:latin typeface="Arrival mi"/>
               </a:rPr>
-              <a:t>Training: Fit the model on training data</a:t>
-            </a:r>
-            <a:r>
-              <a:rPr lang="en-US" sz="4000" dirty="0" smtClean="0">
-                <a:latin typeface="Arrival mi"/>
-              </a:rPr>
-              <a:t>.</a:t>
-            </a:r>
-            <a:endParaRPr lang="en-US" sz="4000" dirty="0">
-              <a:latin typeface="Arrival mi"/>
-            </a:endParaRPr>
+              <a:t>: Fit the model on training data.</a:t>
+            </a:r>
           </a:p>
           <a:p>
             <a:pPr>
@@ -10148,20 +10087,17 @@
               <a:defRPr sz="2000"/>
             </a:pPr>
             <a:r>
+              <a:rPr lang="en-US" sz="4000" dirty="0" smtClean="0">
+                <a:latin typeface="Arrival mi"/>
+              </a:rPr>
+              <a:t> Evaluation</a:t>
+            </a:r>
+            <a:r>
               <a:rPr lang="en-US" sz="4000" dirty="0">
                 <a:latin typeface="Arrival mi"/>
               </a:rPr>
-              <a:t>Evaluation: MSE and R-squared on test data</a:t>
-            </a:r>
-            <a:r>
-              <a:rPr lang="en-US" sz="4000" dirty="0" smtClean="0">
-                <a:latin typeface="Arrival mi"/>
-              </a:rPr>
-              <a:t>.</a:t>
-            </a:r>
-            <a:endParaRPr lang="en-US" sz="4000" dirty="0">
-              <a:latin typeface="Arrival mi"/>
-            </a:endParaRPr>
+              <a:t>: MSE and R-squared on test data.</a:t>
+            </a:r>
           </a:p>
           <a:p>
             <a:pPr>
@@ -10171,10 +10107,16 @@
               <a:defRPr sz="2000"/>
             </a:pPr>
             <a:r>
+              <a:rPr lang="en-US" sz="4000" dirty="0" smtClean="0">
+                <a:latin typeface="Arrival mi"/>
+              </a:rPr>
+              <a:t> Results</a:t>
+            </a:r>
+            <a:r>
               <a:rPr lang="en-US" sz="4000" dirty="0">
                 <a:latin typeface="Arrival mi"/>
               </a:rPr>
-              <a:t>Results:</a:t>
+              <a:t>:</a:t>
             </a:r>
           </a:p>
           <a:p>
@@ -10194,7 +10136,7 @@
               <a:rPr lang="en-US" sz="4000" dirty="0">
                 <a:latin typeface="Arrival mi"/>
               </a:rPr>
-              <a:t>MSE: 4.8911</a:t>
+              <a:t>MSE: 7.6826</a:t>
             </a:r>
           </a:p>
           <a:p>
@@ -10214,8 +10156,15 @@
               <a:rPr lang="en-US" sz="4000" dirty="0">
                 <a:latin typeface="Arrival mi"/>
               </a:rPr>
-              <a:t>R2: 0.5482</a:t>
-            </a:r>
+              <a:t>R2: 0.2903</a:t>
+            </a:r>
+          </a:p>
+          <a:p>
+            <a:pPr>
+              <a:lnSpc>
+                <a:spcPct val="150000"/>
+              </a:lnSpc>
+            </a:pPr>
             <a:endParaRPr lang="en-US" sz="4000" dirty="0">
               <a:latin typeface="Arrival mi"/>
             </a:endParaRPr>
@@ -10225,7 +10174,7 @@
     </p:spTree>
     <p:extLst>
       <p:ext uri="{BB962C8B-B14F-4D97-AF65-F5344CB8AC3E}">
-        <p14:creationId xmlns:p14="http://schemas.microsoft.com/office/powerpoint/2010/main" val="1730916892"/>
+        <p14:creationId xmlns:p14="http://schemas.microsoft.com/office/powerpoint/2010/main" val="752983066"/>
       </p:ext>
     </p:extLst>
   </p:cSld>
@@ -10279,7 +10228,7 @@
                 </a:solidFill>
                 <a:latin typeface="Arrival mi"/>
               </a:rPr>
-              <a:t>Model Training - Lasso Regression</a:t>
+              <a:t>Model Comparison</a:t>
             </a:r>
           </a:p>
         </p:txBody>
@@ -10296,8 +10245,8 @@
         </p:nvSpPr>
         <p:spPr>
           <a:xfrm>
-            <a:off x="3495436" y="2057400"/>
-            <a:ext cx="12035790" cy="5824229"/>
+            <a:off x="3495436" y="1828800"/>
+            <a:ext cx="12035790" cy="6052829"/>
           </a:xfrm>
         </p:spPr>
         <p:txBody>
@@ -10307,99 +10256,84 @@
           <a:lstStyle/>
           <a:p>
             <a:pPr>
-              <a:lnSpc>
-                <a:spcPct val="150000"/>
-              </a:lnSpc>
               <a:defRPr sz="2000"/>
             </a:pPr>
             <a:r>
-              <a:rPr lang="en-US" sz="4000" dirty="0" smtClean="0">
-                <a:latin typeface="Arrival mi"/>
-              </a:rPr>
-              <a:t> Model</a:t>
-            </a:r>
-            <a:r>
-              <a:rPr lang="en-US" sz="4000" dirty="0">
-                <a:latin typeface="Arrival mi"/>
-              </a:rPr>
-              <a:t>: Lasso Regression</a:t>
+              <a:rPr lang="pt-BR" sz="3600" dirty="0" smtClean="0">
+                <a:latin typeface="Arrival mi"/>
+              </a:rPr>
+              <a:t> Linear </a:t>
+            </a:r>
+            <a:r>
+              <a:rPr lang="pt-BR" sz="3600" dirty="0">
+                <a:latin typeface="Arrival mi"/>
+              </a:rPr>
+              <a:t>Regression:</a:t>
             </a:r>
           </a:p>
           <a:p>
             <a:pPr>
-              <a:lnSpc>
-                <a:spcPct val="150000"/>
-              </a:lnSpc>
               <a:defRPr sz="2000"/>
             </a:pPr>
             <a:r>
-              <a:rPr lang="en-US" sz="4000" dirty="0" smtClean="0">
-                <a:latin typeface="Arrival mi"/>
-              </a:rPr>
-              <a:t> Training</a:t>
-            </a:r>
-            <a:r>
-              <a:rPr lang="en-US" sz="4000" dirty="0">
-                <a:latin typeface="Arrival mi"/>
-              </a:rPr>
-              <a:t>: Fit the model on training data.</a:t>
+              <a:rPr lang="pt-BR" sz="3600" dirty="0" smtClean="0">
+                <a:latin typeface="Arrival mi"/>
+              </a:rPr>
+              <a:t> </a:t>
+            </a:r>
+            <a:r>
+              <a:rPr lang="pt-BR" sz="3600" dirty="0">
+                <a:latin typeface="Arrival mi"/>
+              </a:rPr>
+              <a:t>MSE: 4.8912</a:t>
             </a:r>
           </a:p>
           <a:p>
             <a:pPr>
-              <a:lnSpc>
-                <a:spcPct val="150000"/>
-              </a:lnSpc>
               <a:defRPr sz="2000"/>
             </a:pPr>
             <a:r>
-              <a:rPr lang="en-US" sz="4000" dirty="0" smtClean="0">
-                <a:latin typeface="Arrival mi"/>
-              </a:rPr>
-              <a:t> Evaluation</a:t>
-            </a:r>
-            <a:r>
-              <a:rPr lang="en-US" sz="4000" dirty="0">
-                <a:latin typeface="Arrival mi"/>
-              </a:rPr>
-              <a:t>: MSE and R-squared on test data.</a:t>
+              <a:rPr lang="pt-BR" sz="3600" dirty="0" smtClean="0">
+                <a:latin typeface="Arrival mi"/>
+              </a:rPr>
+              <a:t> </a:t>
+            </a:r>
+            <a:r>
+              <a:rPr lang="pt-BR" sz="3600" dirty="0">
+                <a:latin typeface="Arrival mi"/>
+              </a:rPr>
+              <a:t>R2: 0.5482</a:t>
             </a:r>
           </a:p>
           <a:p>
             <a:pPr>
-              <a:lnSpc>
-                <a:spcPct val="150000"/>
-              </a:lnSpc>
               <a:defRPr sz="2000"/>
             </a:pPr>
             <a:r>
-              <a:rPr lang="en-US" sz="4000" dirty="0" smtClean="0">
-                <a:latin typeface="Arrival mi"/>
-              </a:rPr>
-              <a:t> Results</a:t>
-            </a:r>
-            <a:r>
-              <a:rPr lang="en-US" sz="4000" dirty="0">
-                <a:latin typeface="Arrival mi"/>
-              </a:rPr>
-              <a:t>:</a:t>
+              <a:rPr lang="pt-BR" sz="3600" dirty="0" smtClean="0">
+                <a:latin typeface="Arrival mi"/>
+              </a:rPr>
+              <a:t> Lasso </a:t>
+            </a:r>
+            <a:r>
+              <a:rPr lang="pt-BR" sz="3600" dirty="0">
+                <a:latin typeface="Arrival mi"/>
+              </a:rPr>
+              <a:t>Regression:</a:t>
             </a:r>
           </a:p>
           <a:p>
             <a:pPr>
-              <a:lnSpc>
-                <a:spcPct val="150000"/>
-              </a:lnSpc>
               <a:defRPr sz="2000"/>
             </a:pPr>
             <a:r>
-              <a:rPr lang="en-US" sz="4000" dirty="0" smtClean="0">
+              <a:rPr lang="pt-BR" sz="3600" dirty="0" smtClean="0">
                 <a:latin typeface="Arrival mi"/>
               </a:rPr>
               <a:t> </a:t>
             </a:r>
             <a:r>
-              <a:rPr lang="en-US" sz="4000" dirty="0">
+              <a:rPr lang="pt-BR" sz="3600" dirty="0">
                 <a:latin typeface="Arrival mi"/>
               </a:rPr>
               <a:t>MSE: 7.6826</a:t>
@@ -10407,19 +10341,16 @@
           </a:p>
           <a:p>
             <a:pPr>
-              <a:lnSpc>
-                <a:spcPct val="150000"/>
-              </a:lnSpc>
               <a:defRPr sz="2000"/>
             </a:pPr>
             <a:r>
-              <a:rPr lang="en-US" sz="4000" dirty="0" smtClean="0">
+              <a:rPr lang="pt-BR" sz="3600" dirty="0" smtClean="0">
                 <a:latin typeface="Arrival mi"/>
               </a:rPr>
               <a:t> </a:t>
             </a:r>
             <a:r>
-              <a:rPr lang="en-US" sz="4000" dirty="0">
+              <a:rPr lang="pt-BR" sz="3600" dirty="0">
                 <a:latin typeface="Arrival mi"/>
               </a:rPr>
               <a:t>R2: 0.2903</a:t>
@@ -10427,11 +10358,57 @@
           </a:p>
           <a:p>
             <a:pPr>
-              <a:lnSpc>
-                <a:spcPct val="150000"/>
-              </a:lnSpc>
+              <a:defRPr sz="2000"/>
             </a:pPr>
-            <a:endParaRPr lang="en-US" sz="4000" dirty="0">
+            <a:r>
+              <a:rPr lang="pt-BR" sz="3600" dirty="0" smtClean="0">
+                <a:latin typeface="Arrival mi"/>
+              </a:rPr>
+              <a:t> Ridge </a:t>
+            </a:r>
+            <a:r>
+              <a:rPr lang="pt-BR" sz="3600" dirty="0">
+                <a:latin typeface="Arrival mi"/>
+              </a:rPr>
+              <a:t>Regression:</a:t>
+            </a:r>
+          </a:p>
+          <a:p>
+            <a:pPr>
+              <a:defRPr sz="2000"/>
+            </a:pPr>
+            <a:r>
+              <a:rPr lang="pt-BR" sz="3600" dirty="0" smtClean="0">
+                <a:latin typeface="Arrival mi"/>
+              </a:rPr>
+              <a:t> </a:t>
+            </a:r>
+            <a:r>
+              <a:rPr lang="pt-BR" sz="3600" dirty="0">
+                <a:latin typeface="Arrival mi"/>
+              </a:rPr>
+              <a:t>MSE: 4.8911</a:t>
+            </a:r>
+          </a:p>
+          <a:p>
+            <a:pPr>
+              <a:defRPr sz="2000"/>
+            </a:pPr>
+            <a:r>
+              <a:rPr lang="pt-BR" sz="3600" dirty="0" smtClean="0">
+                <a:latin typeface="Arrival mi"/>
+              </a:rPr>
+              <a:t> </a:t>
+            </a:r>
+            <a:r>
+              <a:rPr lang="pt-BR" sz="3600" dirty="0">
+                <a:latin typeface="Arrival mi"/>
+              </a:rPr>
+              <a:t>R2: 0.5482</a:t>
+            </a:r>
+          </a:p>
+          <a:p>
+            <a:endParaRPr lang="en-US" sz="3600" dirty="0">
               <a:latin typeface="Arrival mi"/>
             </a:endParaRPr>
           </a:p>
@@ -10440,7 +10417,7 @@
     </p:spTree>
     <p:extLst>
       <p:ext uri="{BB962C8B-B14F-4D97-AF65-F5344CB8AC3E}">
-        <p14:creationId xmlns:p14="http://schemas.microsoft.com/office/powerpoint/2010/main" val="752983066"/>
+        <p14:creationId xmlns:p14="http://schemas.microsoft.com/office/powerpoint/2010/main" val="2199407930"/>
       </p:ext>
     </p:extLst>
   </p:cSld>
@@ -10479,13 +10456,11 @@
         </p:nvSpPr>
         <p:spPr/>
         <p:txBody>
-          <a:bodyPr>
-            <a:normAutofit/>
-          </a:bodyPr>
+          <a:bodyPr/>
           <a:lstStyle/>
           <a:p>
             <a:r>
-              <a:rPr lang="en-US" sz="5400" b="1" dirty="0">
+              <a:rPr lang="en-US" b="1" dirty="0">
                 <a:solidFill>
                   <a:schemeClr val="accent1">
                     <a:lumMod val="60000"/>
@@ -10494,7 +10469,7 @@
                 </a:solidFill>
                 <a:latin typeface="Arrival mi"/>
               </a:rPr>
-              <a:t>Model Comparison</a:t>
+              <a:t>Residual Analysis - Summary</a:t>
             </a:r>
           </a:p>
         </p:txBody>
@@ -10511,179 +10486,186 @@
         </p:nvSpPr>
         <p:spPr>
           <a:xfrm>
-            <a:off x="3495436" y="1828800"/>
-            <a:ext cx="12035790" cy="6052829"/>
+            <a:off x="3495436" y="1981200"/>
+            <a:ext cx="12201764" cy="6781800"/>
           </a:xfrm>
         </p:spPr>
         <p:txBody>
           <a:bodyPr>
-            <a:noAutofit/>
+            <a:normAutofit fontScale="92500" lnSpcReduction="20000"/>
           </a:bodyPr>
           <a:lstStyle/>
           <a:p>
+            <a:r>
+              <a:rPr lang="en-US" b="1" dirty="0"/>
+              <a:t>Linear Regression</a:t>
+            </a:r>
+            <a:r>
+              <a:rPr lang="en-US" dirty="0"/>
+              <a:t>:</a:t>
+            </a:r>
+          </a:p>
+          <a:p>
             <a:pPr>
-              <a:defRPr sz="2000"/>
+              <a:buFont typeface="Arial"/>
+              <a:buChar char="•"/>
             </a:pPr>
             <a:r>
-              <a:rPr lang="pt-BR" sz="3600" dirty="0" smtClean="0">
-                <a:latin typeface="Arrival mi"/>
-              </a:rPr>
-              <a:t> Linear </a:t>
-            </a:r>
-            <a:r>
-              <a:rPr lang="pt-BR" sz="3600" dirty="0">
-                <a:latin typeface="Arrival mi"/>
-              </a:rPr>
-              <a:t>Regression:</a:t>
+              <a:rPr lang="en-US" dirty="0"/>
+              <a:t>Mean: -0.009</a:t>
             </a:r>
           </a:p>
           <a:p>
             <a:pPr>
-              <a:defRPr sz="2000"/>
+              <a:buFont typeface="Arial"/>
+              <a:buChar char="•"/>
             </a:pPr>
             <a:r>
-              <a:rPr lang="pt-BR" sz="3600" dirty="0" smtClean="0">
-                <a:latin typeface="Arrival mi"/>
-              </a:rPr>
-              <a:t> </a:t>
-            </a:r>
-            <a:r>
-              <a:rPr lang="pt-BR" sz="3600" dirty="0">
-                <a:latin typeface="Arrival mi"/>
-              </a:rPr>
-              <a:t>MSE: 4.8912</a:t>
+              <a:rPr lang="en-US" dirty="0" err="1"/>
+              <a:t>Std</a:t>
+            </a:r>
+            <a:r>
+              <a:rPr lang="en-US" dirty="0"/>
+              <a:t>: 2.21</a:t>
             </a:r>
           </a:p>
           <a:p>
             <a:pPr>
-              <a:defRPr sz="2000"/>
+              <a:buFont typeface="Arial"/>
+              <a:buChar char="•"/>
             </a:pPr>
             <a:r>
-              <a:rPr lang="pt-BR" sz="3600" dirty="0" smtClean="0">
-                <a:latin typeface="Arrival mi"/>
-              </a:rPr>
-              <a:t> </a:t>
-            </a:r>
-            <a:r>
-              <a:rPr lang="pt-BR" sz="3600" dirty="0">
-                <a:latin typeface="Arrival mi"/>
-              </a:rPr>
-              <a:t>R2: 0.5482</a:t>
+              <a:rPr lang="en-US" dirty="0"/>
+              <a:t>Min: -6.01</a:t>
             </a:r>
           </a:p>
           <a:p>
             <a:pPr>
-              <a:defRPr sz="2000"/>
+              <a:buFont typeface="Arial"/>
+              <a:buChar char="•"/>
             </a:pPr>
             <a:r>
-              <a:rPr lang="pt-BR" sz="3600" dirty="0" smtClean="0">
-                <a:latin typeface="Arrival mi"/>
-              </a:rPr>
-              <a:t> Lasso </a:t>
-            </a:r>
-            <a:r>
-              <a:rPr lang="pt-BR" sz="3600" dirty="0">
-                <a:latin typeface="Arrival mi"/>
-              </a:rPr>
-              <a:t>Regression:</a:t>
+              <a:rPr lang="en-US" dirty="0"/>
+              <a:t>Max: 9.78</a:t>
+            </a:r>
+          </a:p>
+          <a:p>
+            <a:r>
+              <a:rPr lang="en-US" b="1" dirty="0"/>
+              <a:t>Lasso Regression</a:t>
+            </a:r>
+            <a:r>
+              <a:rPr lang="en-US" dirty="0"/>
+              <a:t>:</a:t>
             </a:r>
           </a:p>
           <a:p>
             <a:pPr>
-              <a:defRPr sz="2000"/>
+              <a:buFont typeface="Arial"/>
+              <a:buChar char="•"/>
             </a:pPr>
             <a:r>
-              <a:rPr lang="pt-BR" sz="3600" dirty="0" smtClean="0">
-                <a:latin typeface="Arrival mi"/>
-              </a:rPr>
-              <a:t> </a:t>
-            </a:r>
-            <a:r>
-              <a:rPr lang="pt-BR" sz="3600" dirty="0">
-                <a:latin typeface="Arrival mi"/>
-              </a:rPr>
-              <a:t>MSE: 7.6826</a:t>
+              <a:rPr lang="en-US" dirty="0"/>
+              <a:t>Mean: -0.023</a:t>
             </a:r>
           </a:p>
           <a:p>
             <a:pPr>
-              <a:defRPr sz="2000"/>
+              <a:buFont typeface="Arial"/>
+              <a:buChar char="•"/>
             </a:pPr>
             <a:r>
-              <a:rPr lang="pt-BR" sz="3600" dirty="0" smtClean="0">
-                <a:latin typeface="Arrival mi"/>
-              </a:rPr>
-              <a:t> </a:t>
-            </a:r>
-            <a:r>
-              <a:rPr lang="pt-BR" sz="3600" dirty="0">
-                <a:latin typeface="Arrival mi"/>
-              </a:rPr>
-              <a:t>R2: 0.2903</a:t>
+              <a:rPr lang="en-US" dirty="0" err="1"/>
+              <a:t>Std</a:t>
+            </a:r>
+            <a:r>
+              <a:rPr lang="en-US" dirty="0"/>
+              <a:t>: 2.77</a:t>
             </a:r>
           </a:p>
           <a:p>
             <a:pPr>
-              <a:defRPr sz="2000"/>
+              <a:buFont typeface="Arial"/>
+              <a:buChar char="•"/>
             </a:pPr>
             <a:r>
-              <a:rPr lang="pt-BR" sz="3600" dirty="0" smtClean="0">
-                <a:latin typeface="Arrival mi"/>
-              </a:rPr>
-              <a:t> Ridge </a:t>
-            </a:r>
-            <a:r>
-              <a:rPr lang="pt-BR" sz="3600" dirty="0">
-                <a:latin typeface="Arrival mi"/>
-              </a:rPr>
-              <a:t>Regression:</a:t>
+              <a:rPr lang="en-US" dirty="0"/>
+              <a:t>Min: -5.24</a:t>
             </a:r>
           </a:p>
           <a:p>
             <a:pPr>
-              <a:defRPr sz="2000"/>
+              <a:buFont typeface="Arial"/>
+              <a:buChar char="•"/>
             </a:pPr>
             <a:r>
-              <a:rPr lang="pt-BR" sz="3600" dirty="0" smtClean="0">
-                <a:latin typeface="Arrival mi"/>
-              </a:rPr>
-              <a:t> </a:t>
-            </a:r>
-            <a:r>
-              <a:rPr lang="pt-BR" sz="3600" dirty="0">
-                <a:latin typeface="Arrival mi"/>
-              </a:rPr>
-              <a:t>MSE: 4.8911</a:t>
+              <a:rPr lang="en-US" dirty="0"/>
+              <a:t>Max: 12.18</a:t>
+            </a:r>
+          </a:p>
+          <a:p>
+            <a:r>
+              <a:rPr lang="en-US" b="1" dirty="0"/>
+              <a:t>Ridge Regression</a:t>
+            </a:r>
+            <a:r>
+              <a:rPr lang="en-US" dirty="0"/>
+              <a:t>:</a:t>
             </a:r>
           </a:p>
           <a:p>
             <a:pPr>
-              <a:defRPr sz="2000"/>
+              <a:buFont typeface="Arial"/>
+              <a:buChar char="•"/>
             </a:pPr>
             <a:r>
-              <a:rPr lang="pt-BR" sz="3600" dirty="0" smtClean="0">
-                <a:latin typeface="Arrival mi"/>
-              </a:rPr>
-              <a:t> </a:t>
-            </a:r>
-            <a:r>
-              <a:rPr lang="pt-BR" sz="3600" dirty="0">
-                <a:latin typeface="Arrival mi"/>
-              </a:rPr>
-              <a:t>R2: 0.5482</a:t>
-            </a:r>
-          </a:p>
-          <a:p>
-            <a:endParaRPr lang="en-US" sz="3600" dirty="0">
-              <a:latin typeface="Arrival mi"/>
-            </a:endParaRPr>
+              <a:rPr lang="en-US" dirty="0"/>
+              <a:t>Mean: -0.008</a:t>
+            </a:r>
+          </a:p>
+          <a:p>
+            <a:pPr>
+              <a:buFont typeface="Arial"/>
+              <a:buChar char="•"/>
+            </a:pPr>
+            <a:r>
+              <a:rPr lang="en-US" dirty="0" err="1"/>
+              <a:t>Std</a:t>
+            </a:r>
+            <a:r>
+              <a:rPr lang="en-US" dirty="0"/>
+              <a:t>: 2.21</a:t>
+            </a:r>
+          </a:p>
+          <a:p>
+            <a:pPr>
+              <a:buFont typeface="Arial"/>
+              <a:buChar char="•"/>
+            </a:pPr>
+            <a:r>
+              <a:rPr lang="en-US" dirty="0"/>
+              <a:t>Min: -6.02</a:t>
+            </a:r>
+          </a:p>
+          <a:p>
+            <a:pPr>
+              <a:buFont typeface="Arial"/>
+              <a:buChar char="•"/>
+            </a:pPr>
+            <a:r>
+              <a:rPr lang="en-US" dirty="0"/>
+              <a:t>Max: 9.77</a:t>
+            </a:r>
+          </a:p>
+          <a:p>
+            <a:endParaRPr lang="en-US" dirty="0"/>
           </a:p>
         </p:txBody>
       </p:sp>
     </p:spTree>
     <p:extLst>
       <p:ext uri="{BB962C8B-B14F-4D97-AF65-F5344CB8AC3E}">
-        <p14:creationId xmlns:p14="http://schemas.microsoft.com/office/powerpoint/2010/main" val="2199407930"/>
+        <p14:creationId xmlns:p14="http://schemas.microsoft.com/office/powerpoint/2010/main" val="3546930273"/>
       </p:ext>
     </p:extLst>
   </p:cSld>
@@ -10746,16 +10728,6 @@
               </a:rPr>
               <a:t>Introduction</a:t>
             </a:r>
-            <a:endParaRPr lang="en-US" sz="6000" b="1" dirty="0">
-              <a:solidFill>
-                <a:schemeClr val="accent1">
-                  <a:lumMod val="60000"/>
-                  <a:lumOff val="40000"/>
-                </a:schemeClr>
-              </a:solidFill>
-              <a:latin typeface="Arrival mi"/>
-              <a:cs typeface="Times New Roman" pitchFamily="18" charset="0"/>
-            </a:endParaRPr>
           </a:p>
         </p:txBody>
       </p:sp>
@@ -10851,9 +10823,6 @@
               </a:rPr>
               <a:t>Target Variable: Rings (predicting Age by adding 1.5).</a:t>
             </a:r>
-            <a:endParaRPr lang="en-US" sz="4400" dirty="0">
-              <a:latin typeface="Arrival mi"/>
-            </a:endParaRPr>
           </a:p>
         </p:txBody>
       </p:sp>
@@ -10899,14 +10868,11 @@
         </p:nvSpPr>
         <p:spPr/>
         <p:txBody>
-          <a:bodyPr>
-            <a:normAutofit/>
-          </a:bodyPr>
+          <a:bodyPr/>
           <a:lstStyle/>
           <a:p>
-            <a:pPr algn="ctr"/>
-            <a:r>
-              <a:rPr lang="en-US" sz="5400" b="1" dirty="0">
+            <a:r>
+              <a:rPr lang="en-US" b="1" dirty="0">
                 <a:solidFill>
                   <a:schemeClr val="accent1">
                     <a:lumMod val="60000"/>
@@ -10915,7 +10881,7 @@
                 </a:solidFill>
                 <a:latin typeface="Arrival mi"/>
               </a:rPr>
-              <a:t>Conclusion</a:t>
+              <a:t>Residual Analysis - Visualizations</a:t>
             </a:r>
           </a:p>
         </p:txBody>
@@ -10932,8 +10898,8 @@
         </p:nvSpPr>
         <p:spPr>
           <a:xfrm>
-            <a:off x="3495436" y="1905000"/>
-            <a:ext cx="12035790" cy="6629400"/>
+            <a:off x="3429000" y="2057400"/>
+            <a:ext cx="12035790" cy="5943600"/>
           </a:xfrm>
         </p:spPr>
         <p:txBody>
@@ -10944,64 +10910,109 @@
           <a:p>
             <a:pPr>
               <a:lnSpc>
-                <a:spcPct val="150000"/>
+                <a:spcPct val="200000"/>
               </a:lnSpc>
-              <a:defRPr sz="2000"/>
             </a:pPr>
             <a:r>
-              <a:rPr lang="en-US" sz="3200" dirty="0">
-                <a:latin typeface="Arrival mi"/>
-              </a:rPr>
-              <a:t>Summary: Linear and Ridge Regression perform similarly and better than Lasso Regression.</a:t>
+              <a:rPr lang="en-US" sz="3600" dirty="0">
+                <a:latin typeface="Arrival mi"/>
+              </a:rPr>
+              <a:t>Residual </a:t>
+            </a:r>
+            <a:r>
+              <a:rPr lang="en-US" sz="3600" dirty="0" err="1">
+                <a:latin typeface="Arrival mi"/>
+              </a:rPr>
+              <a:t>vs</a:t>
+            </a:r>
+            <a:r>
+              <a:rPr lang="en-US" sz="3600" dirty="0">
+                <a:latin typeface="Arrival mi"/>
+              </a:rPr>
+              <a:t> Predicted Values for Ridge </a:t>
+            </a:r>
+            <a:r>
+              <a:rPr lang="en-US" sz="3600" dirty="0" smtClean="0">
+                <a:latin typeface="Arrival mi"/>
+              </a:rPr>
+              <a:t>Regression</a:t>
             </a:r>
           </a:p>
           <a:p>
             <a:pPr>
               <a:lnSpc>
-                <a:spcPct val="150000"/>
+                <a:spcPct val="200000"/>
               </a:lnSpc>
-              <a:defRPr sz="2000"/>
             </a:pPr>
             <a:r>
-              <a:rPr lang="en-US" sz="3200" dirty="0">
-                <a:latin typeface="Arrival mi"/>
-              </a:rPr>
-              <a:t>Recommendation: Choose Ridge Regression if </a:t>
-            </a:r>
-            <a:r>
-              <a:rPr lang="en-US" sz="3200" dirty="0" err="1">
-                <a:latin typeface="Arrival mi"/>
-              </a:rPr>
-              <a:t>multicollinearity</a:t>
-            </a:r>
-            <a:r>
-              <a:rPr lang="en-US" sz="3200" dirty="0">
-                <a:latin typeface="Arrival mi"/>
-              </a:rPr>
-              <a:t> is a concern; otherwise, Linear Regression is also a good choice.</a:t>
-            </a:r>
+              <a:rPr lang="en-US" sz="3600" dirty="0">
+                <a:latin typeface="Arrival mi"/>
+              </a:rPr>
+              <a:t>Residual </a:t>
+            </a:r>
+            <a:r>
+              <a:rPr lang="en-US" sz="3600" dirty="0" err="1">
+                <a:latin typeface="Arrival mi"/>
+              </a:rPr>
+              <a:t>vs</a:t>
+            </a:r>
+            <a:r>
+              <a:rPr lang="en-US" sz="3600" dirty="0">
+                <a:latin typeface="Arrival mi"/>
+              </a:rPr>
+              <a:t> Predicted Values for </a:t>
+            </a:r>
+            <a:r>
+              <a:rPr lang="en-US" sz="3600" dirty="0" smtClean="0">
+                <a:latin typeface="Arrival mi"/>
+              </a:rPr>
+              <a:t>lasso Regression</a:t>
+            </a:r>
+            <a:endParaRPr lang="en-US" sz="3600" dirty="0">
+              <a:latin typeface="Arrival mi"/>
+            </a:endParaRPr>
           </a:p>
           <a:p>
             <a:pPr>
               <a:lnSpc>
-                <a:spcPct val="150000"/>
+                <a:spcPct val="200000"/>
               </a:lnSpc>
-              <a:defRPr sz="2000"/>
             </a:pPr>
             <a:r>
-              <a:rPr lang="en-US" sz="3200" dirty="0">
-                <a:latin typeface="Arrival mi"/>
-              </a:rPr>
-              <a:t>Future Work: Consider other regression techniques or feature engineering for improved performance.</a:t>
-            </a:r>
+              <a:rPr lang="en-US" sz="3600" dirty="0">
+                <a:latin typeface="Arrival mi"/>
+              </a:rPr>
+              <a:t>Q-Q Plot of Residuals for Ridge </a:t>
+            </a:r>
+            <a:r>
+              <a:rPr lang="en-US" sz="3600" dirty="0" smtClean="0">
+                <a:latin typeface="Arrival mi"/>
+              </a:rPr>
+              <a:t>Regression</a:t>
+            </a:r>
+            <a:endParaRPr lang="en-US" sz="3600" dirty="0">
+              <a:latin typeface="Arrival mi"/>
+            </a:endParaRPr>
           </a:p>
           <a:p>
             <a:pPr>
               <a:lnSpc>
-                <a:spcPct val="150000"/>
+                <a:spcPct val="200000"/>
               </a:lnSpc>
             </a:pPr>
-            <a:endParaRPr lang="en-US" sz="3200" dirty="0">
+            <a:r>
+              <a:rPr lang="en-US" sz="3600" dirty="0">
+                <a:latin typeface="Arrival mi"/>
+              </a:rPr>
+              <a:t>Q-Q Plot of Residuals for </a:t>
+            </a:r>
+            <a:r>
+              <a:rPr lang="en-US" sz="3600" dirty="0" smtClean="0">
+                <a:latin typeface="Arrival mi"/>
+              </a:rPr>
+              <a:t>lasso Regression</a:t>
+            </a:r>
+            <a:endParaRPr lang="en-US" sz="3600" dirty="0">
               <a:latin typeface="Arrival mi"/>
             </a:endParaRPr>
           </a:p>
@@ -11010,7 +11021,7 @@
     </p:spTree>
     <p:extLst>
       <p:ext uri="{BB962C8B-B14F-4D97-AF65-F5344CB8AC3E}">
-        <p14:creationId xmlns:p14="http://schemas.microsoft.com/office/powerpoint/2010/main" val="387999129"/>
+        <p14:creationId xmlns:p14="http://schemas.microsoft.com/office/powerpoint/2010/main" val="3661029000"/>
       </p:ext>
     </p:extLst>
   </p:cSld>
@@ -11047,6 +11058,702 @@
             <p:ph type="title"/>
           </p:nvPr>
         </p:nvSpPr>
+        <p:spPr/>
+        <p:txBody>
+          <a:bodyPr/>
+          <a:lstStyle/>
+          <a:p>
+            <a:endParaRPr lang="en-US"/>
+          </a:p>
+        </p:txBody>
+      </p:sp>
+      <p:pic>
+        <p:nvPicPr>
+          <p:cNvPr id="4" name="Content Placeholder 3"/>
+          <p:cNvPicPr>
+            <a:picLocks noGrp="1" noChangeAspect="1"/>
+          </p:cNvPicPr>
+          <p:nvPr>
+            <p:ph idx="1"/>
+          </p:nvPr>
+        </p:nvPicPr>
+        <p:blipFill>
+          <a:blip r:embed="rId2">
+            <a:extLst>
+              <a:ext uri="{28A0092B-C50C-407E-A947-70E740481C1C}">
+                <a14:useLocalDpi xmlns:a14="http://schemas.microsoft.com/office/drawing/2010/main" val="0"/>
+              </a:ext>
+            </a:extLst>
+          </a:blip>
+          <a:stretch>
+            <a:fillRect/>
+          </a:stretch>
+        </p:blipFill>
+        <p:spPr>
+          <a:xfrm>
+            <a:off x="0" y="-207327"/>
+            <a:ext cx="16687800" cy="9351327"/>
+          </a:xfrm>
+        </p:spPr>
+      </p:pic>
+    </p:spTree>
+    <p:extLst>
+      <p:ext uri="{BB962C8B-B14F-4D97-AF65-F5344CB8AC3E}">
+        <p14:creationId xmlns:p14="http://schemas.microsoft.com/office/powerpoint/2010/main" val="1870801664"/>
+      </p:ext>
+    </p:extLst>
+  </p:cSld>
+  <p:clrMapOvr>
+    <a:masterClrMapping/>
+  </p:clrMapOvr>
+</p:sld>
+</file>
+
+<file path=ppt/slides/slide22.xml><?xml version="1.0" encoding="utf-8"?>
+<p:sld xmlns:a="http://schemas.openxmlformats.org/drawingml/2006/main" xmlns:r="http://schemas.openxmlformats.org/officeDocument/2006/relationships" xmlns:p="http://schemas.openxmlformats.org/presentationml/2006/main">
+  <p:cSld>
+    <p:spTree>
+      <p:nvGrpSpPr>
+        <p:cNvPr id="1" name=""/>
+        <p:cNvGrpSpPr/>
+        <p:nvPr/>
+      </p:nvGrpSpPr>
+      <p:grpSpPr>
+        <a:xfrm>
+          <a:off x="0" y="0"/>
+          <a:ext cx="0" cy="0"/>
+          <a:chOff x="0" y="0"/>
+          <a:chExt cx="0" cy="0"/>
+        </a:xfrm>
+      </p:grpSpPr>
+      <p:sp>
+        <p:nvSpPr>
+          <p:cNvPr id="2" name="Title 1"/>
+          <p:cNvSpPr>
+            <a:spLocks noGrp="1"/>
+          </p:cNvSpPr>
+          <p:nvPr>
+            <p:ph type="title"/>
+          </p:nvPr>
+        </p:nvSpPr>
+        <p:spPr/>
+        <p:txBody>
+          <a:bodyPr/>
+          <a:lstStyle/>
+          <a:p>
+            <a:endParaRPr lang="en-US"/>
+          </a:p>
+        </p:txBody>
+      </p:sp>
+      <p:pic>
+        <p:nvPicPr>
+          <p:cNvPr id="4" name="Content Placeholder 3"/>
+          <p:cNvPicPr>
+            <a:picLocks noGrp="1" noChangeAspect="1"/>
+          </p:cNvPicPr>
+          <p:nvPr>
+            <p:ph idx="1"/>
+          </p:nvPr>
+        </p:nvPicPr>
+        <p:blipFill>
+          <a:blip r:embed="rId2">
+            <a:extLst>
+              <a:ext uri="{28A0092B-C50C-407E-A947-70E740481C1C}">
+                <a14:useLocalDpi xmlns:a14="http://schemas.microsoft.com/office/drawing/2010/main" val="0"/>
+              </a:ext>
+            </a:extLst>
+          </a:blip>
+          <a:stretch>
+            <a:fillRect/>
+          </a:stretch>
+        </p:blipFill>
+        <p:spPr>
+          <a:xfrm>
+            <a:off x="0" y="-152400"/>
+            <a:ext cx="16687800" cy="9601200"/>
+          </a:xfrm>
+        </p:spPr>
+      </p:pic>
+    </p:spTree>
+    <p:extLst>
+      <p:ext uri="{BB962C8B-B14F-4D97-AF65-F5344CB8AC3E}">
+        <p14:creationId xmlns:p14="http://schemas.microsoft.com/office/powerpoint/2010/main" val="865251339"/>
+      </p:ext>
+    </p:extLst>
+  </p:cSld>
+  <p:clrMapOvr>
+    <a:masterClrMapping/>
+  </p:clrMapOvr>
+</p:sld>
+</file>
+
+<file path=ppt/slides/slide23.xml><?xml version="1.0" encoding="utf-8"?>
+<p:sld xmlns:a="http://schemas.openxmlformats.org/drawingml/2006/main" xmlns:r="http://schemas.openxmlformats.org/officeDocument/2006/relationships" xmlns:p="http://schemas.openxmlformats.org/presentationml/2006/main">
+  <p:cSld>
+    <p:spTree>
+      <p:nvGrpSpPr>
+        <p:cNvPr id="1" name=""/>
+        <p:cNvGrpSpPr/>
+        <p:nvPr/>
+      </p:nvGrpSpPr>
+      <p:grpSpPr>
+        <a:xfrm>
+          <a:off x="0" y="0"/>
+          <a:ext cx="0" cy="0"/>
+          <a:chOff x="0" y="0"/>
+          <a:chExt cx="0" cy="0"/>
+        </a:xfrm>
+      </p:grpSpPr>
+      <p:sp>
+        <p:nvSpPr>
+          <p:cNvPr id="2" name="Title 1"/>
+          <p:cNvSpPr>
+            <a:spLocks noGrp="1"/>
+          </p:cNvSpPr>
+          <p:nvPr>
+            <p:ph type="title"/>
+          </p:nvPr>
+        </p:nvSpPr>
+        <p:spPr/>
+        <p:txBody>
+          <a:bodyPr/>
+          <a:lstStyle/>
+          <a:p>
+            <a:endParaRPr lang="en-US"/>
+          </a:p>
+        </p:txBody>
+      </p:sp>
+      <p:pic>
+        <p:nvPicPr>
+          <p:cNvPr id="4" name="Content Placeholder 3"/>
+          <p:cNvPicPr>
+            <a:picLocks noGrp="1" noChangeAspect="1"/>
+          </p:cNvPicPr>
+          <p:nvPr>
+            <p:ph idx="1"/>
+          </p:nvPr>
+        </p:nvPicPr>
+        <p:blipFill>
+          <a:blip r:embed="rId2">
+            <a:extLst>
+              <a:ext uri="{28A0092B-C50C-407E-A947-70E740481C1C}">
+                <a14:useLocalDpi xmlns:a14="http://schemas.microsoft.com/office/drawing/2010/main" val="0"/>
+              </a:ext>
+            </a:extLst>
+          </a:blip>
+          <a:stretch>
+            <a:fillRect/>
+          </a:stretch>
+        </p:blipFill>
+        <p:spPr>
+          <a:xfrm>
+            <a:off x="0" y="-228600"/>
+            <a:ext cx="16687800" cy="9677400"/>
+          </a:xfrm>
+        </p:spPr>
+      </p:pic>
+    </p:spTree>
+    <p:extLst>
+      <p:ext uri="{BB962C8B-B14F-4D97-AF65-F5344CB8AC3E}">
+        <p14:creationId xmlns:p14="http://schemas.microsoft.com/office/powerpoint/2010/main" val="3534830499"/>
+      </p:ext>
+    </p:extLst>
+  </p:cSld>
+  <p:clrMapOvr>
+    <a:masterClrMapping/>
+  </p:clrMapOvr>
+</p:sld>
+</file>
+
+<file path=ppt/slides/slide24.xml><?xml version="1.0" encoding="utf-8"?>
+<p:sld xmlns:a="http://schemas.openxmlformats.org/drawingml/2006/main" xmlns:r="http://schemas.openxmlformats.org/officeDocument/2006/relationships" xmlns:p="http://schemas.openxmlformats.org/presentationml/2006/main">
+  <p:cSld>
+    <p:spTree>
+      <p:nvGrpSpPr>
+        <p:cNvPr id="1" name=""/>
+        <p:cNvGrpSpPr/>
+        <p:nvPr/>
+      </p:nvGrpSpPr>
+      <p:grpSpPr>
+        <a:xfrm>
+          <a:off x="0" y="0"/>
+          <a:ext cx="0" cy="0"/>
+          <a:chOff x="0" y="0"/>
+          <a:chExt cx="0" cy="0"/>
+        </a:xfrm>
+      </p:grpSpPr>
+      <p:sp>
+        <p:nvSpPr>
+          <p:cNvPr id="2" name="Title 1"/>
+          <p:cNvSpPr>
+            <a:spLocks noGrp="1"/>
+          </p:cNvSpPr>
+          <p:nvPr>
+            <p:ph type="title"/>
+          </p:nvPr>
+        </p:nvSpPr>
+        <p:spPr/>
+        <p:txBody>
+          <a:bodyPr/>
+          <a:lstStyle/>
+          <a:p>
+            <a:endParaRPr lang="en-US"/>
+          </a:p>
+        </p:txBody>
+      </p:sp>
+      <p:pic>
+        <p:nvPicPr>
+          <p:cNvPr id="4" name="Content Placeholder 3"/>
+          <p:cNvPicPr>
+            <a:picLocks noGrp="1" noChangeAspect="1"/>
+          </p:cNvPicPr>
+          <p:nvPr>
+            <p:ph idx="1"/>
+          </p:nvPr>
+        </p:nvPicPr>
+        <p:blipFill>
+          <a:blip r:embed="rId2">
+            <a:extLst>
+              <a:ext uri="{28A0092B-C50C-407E-A947-70E740481C1C}">
+                <a14:useLocalDpi xmlns:a14="http://schemas.microsoft.com/office/drawing/2010/main" val="0"/>
+              </a:ext>
+            </a:extLst>
+          </a:blip>
+          <a:stretch>
+            <a:fillRect/>
+          </a:stretch>
+        </p:blipFill>
+        <p:spPr>
+          <a:xfrm>
+            <a:off x="0" y="-228600"/>
+            <a:ext cx="16687800" cy="9601200"/>
+          </a:xfrm>
+        </p:spPr>
+      </p:pic>
+    </p:spTree>
+    <p:extLst>
+      <p:ext uri="{BB962C8B-B14F-4D97-AF65-F5344CB8AC3E}">
+        <p14:creationId xmlns:p14="http://schemas.microsoft.com/office/powerpoint/2010/main" val="2925238962"/>
+      </p:ext>
+    </p:extLst>
+  </p:cSld>
+  <p:clrMapOvr>
+    <a:masterClrMapping/>
+  </p:clrMapOvr>
+</p:sld>
+</file>
+
+<file path=ppt/slides/slide25.xml><?xml version="1.0" encoding="utf-8"?>
+<p:sld xmlns:a="http://schemas.openxmlformats.org/drawingml/2006/main" xmlns:r="http://schemas.openxmlformats.org/officeDocument/2006/relationships" xmlns:p="http://schemas.openxmlformats.org/presentationml/2006/main">
+  <p:cSld>
+    <p:spTree>
+      <p:nvGrpSpPr>
+        <p:cNvPr id="1" name=""/>
+        <p:cNvGrpSpPr/>
+        <p:nvPr/>
+      </p:nvGrpSpPr>
+      <p:grpSpPr>
+        <a:xfrm>
+          <a:off x="0" y="0"/>
+          <a:ext cx="0" cy="0"/>
+          <a:chOff x="0" y="0"/>
+          <a:chExt cx="0" cy="0"/>
+        </a:xfrm>
+      </p:grpSpPr>
+      <p:sp>
+        <p:nvSpPr>
+          <p:cNvPr id="2" name="Title 1"/>
+          <p:cNvSpPr>
+            <a:spLocks noGrp="1"/>
+          </p:cNvSpPr>
+          <p:nvPr>
+            <p:ph type="title"/>
+          </p:nvPr>
+        </p:nvSpPr>
+        <p:spPr/>
+        <p:txBody>
+          <a:bodyPr>
+            <a:normAutofit/>
+          </a:bodyPr>
+          <a:lstStyle/>
+          <a:p>
+            <a:pPr algn="ctr"/>
+            <a:r>
+              <a:rPr lang="en-US" sz="5400" b="1" dirty="0">
+                <a:solidFill>
+                  <a:schemeClr val="accent1">
+                    <a:lumMod val="60000"/>
+                    <a:lumOff val="40000"/>
+                  </a:schemeClr>
+                </a:solidFill>
+                <a:latin typeface="Arrival mi"/>
+              </a:rPr>
+              <a:t>Conclusion</a:t>
+            </a:r>
+          </a:p>
+        </p:txBody>
+      </p:sp>
+      <p:sp>
+        <p:nvSpPr>
+          <p:cNvPr id="3" name="Content Placeholder 2"/>
+          <p:cNvSpPr>
+            <a:spLocks noGrp="1"/>
+          </p:cNvSpPr>
+          <p:nvPr>
+            <p:ph idx="1"/>
+          </p:nvPr>
+        </p:nvSpPr>
+        <p:spPr>
+          <a:xfrm>
+            <a:off x="2590800" y="1905000"/>
+            <a:ext cx="13487400" cy="6629400"/>
+          </a:xfrm>
+        </p:spPr>
+        <p:txBody>
+          <a:bodyPr>
+            <a:noAutofit/>
+          </a:bodyPr>
+          <a:lstStyle/>
+          <a:p>
+            <a:pPr>
+              <a:lnSpc>
+                <a:spcPct val="150000"/>
+              </a:lnSpc>
+            </a:pPr>
+            <a:r>
+              <a:rPr lang="en-US" sz="2800" b="1" dirty="0">
+                <a:latin typeface="Arrival mi"/>
+              </a:rPr>
+              <a:t>Model Performance</a:t>
+            </a:r>
+            <a:r>
+              <a:rPr lang="en-US" sz="2800" dirty="0">
+                <a:latin typeface="Arrival mi"/>
+              </a:rPr>
+              <a:t>:</a:t>
+            </a:r>
+          </a:p>
+          <a:p>
+            <a:pPr>
+              <a:lnSpc>
+                <a:spcPct val="150000"/>
+              </a:lnSpc>
+            </a:pPr>
+            <a:r>
+              <a:rPr lang="en-US" sz="2800" dirty="0">
+                <a:latin typeface="Arrival mi"/>
+              </a:rPr>
+              <a:t>Linear and Ridge Regression models performed similarly, better than Lasso.</a:t>
+            </a:r>
+          </a:p>
+          <a:p>
+            <a:pPr>
+              <a:lnSpc>
+                <a:spcPct val="150000"/>
+              </a:lnSpc>
+            </a:pPr>
+            <a:r>
+              <a:rPr lang="en-US" sz="2800" dirty="0">
+                <a:latin typeface="Arrival mi"/>
+              </a:rPr>
+              <a:t>Ridge Regression is preferred due to handling </a:t>
+            </a:r>
+            <a:r>
+              <a:rPr lang="en-US" sz="2800" dirty="0" err="1">
+                <a:latin typeface="Arrival mi"/>
+              </a:rPr>
+              <a:t>multicollinearity</a:t>
+            </a:r>
+            <a:r>
+              <a:rPr lang="en-US" sz="2800" dirty="0">
+                <a:latin typeface="Arrival mi"/>
+              </a:rPr>
+              <a:t> effectively.</a:t>
+            </a:r>
+          </a:p>
+          <a:p>
+            <a:pPr>
+              <a:lnSpc>
+                <a:spcPct val="150000"/>
+              </a:lnSpc>
+            </a:pPr>
+            <a:r>
+              <a:rPr lang="en-US" sz="2800" dirty="0">
+                <a:latin typeface="Arrival mi"/>
+              </a:rPr>
+              <a:t>Ridge Regression: MSE (4.8911), R² (0.5482).</a:t>
+            </a:r>
+          </a:p>
+          <a:p>
+            <a:pPr>
+              <a:lnSpc>
+                <a:spcPct val="150000"/>
+              </a:lnSpc>
+            </a:pPr>
+            <a:r>
+              <a:rPr lang="en-US" sz="2800" b="1" dirty="0">
+                <a:latin typeface="Arrival mi"/>
+              </a:rPr>
+              <a:t>Residuals Analysis</a:t>
+            </a:r>
+            <a:r>
+              <a:rPr lang="en-US" sz="2800" dirty="0">
+                <a:latin typeface="Arrival mi"/>
+              </a:rPr>
+              <a:t>:</a:t>
+            </a:r>
+          </a:p>
+          <a:p>
+            <a:pPr>
+              <a:lnSpc>
+                <a:spcPct val="150000"/>
+              </a:lnSpc>
+            </a:pPr>
+            <a:r>
+              <a:rPr lang="en-US" sz="2800" dirty="0">
+                <a:latin typeface="Arrival mi"/>
+              </a:rPr>
+              <a:t>Similar residual patterns for Linear and Ridge, capturing data patterns well.</a:t>
+            </a:r>
+          </a:p>
+          <a:p>
+            <a:pPr>
+              <a:lnSpc>
+                <a:spcPct val="150000"/>
+              </a:lnSpc>
+            </a:pPr>
+            <a:r>
+              <a:rPr lang="en-US" sz="2800" dirty="0">
+                <a:latin typeface="Arrival mi"/>
+              </a:rPr>
+              <a:t>Some outliers indicate underestimation or overestimation.</a:t>
+            </a:r>
+          </a:p>
+          <a:p>
+            <a:pPr>
+              <a:lnSpc>
+                <a:spcPct val="150000"/>
+              </a:lnSpc>
+            </a:pPr>
+            <a:r>
+              <a:rPr lang="en-US" sz="2800" dirty="0">
+                <a:latin typeface="Arrival mi"/>
+              </a:rPr>
+              <a:t>Lasso showed higher residual variability, indicating less generalization.</a:t>
+            </a:r>
+          </a:p>
+        </p:txBody>
+      </p:sp>
+    </p:spTree>
+    <p:extLst>
+      <p:ext uri="{BB962C8B-B14F-4D97-AF65-F5344CB8AC3E}">
+        <p14:creationId xmlns:p14="http://schemas.microsoft.com/office/powerpoint/2010/main" val="387999129"/>
+      </p:ext>
+    </p:extLst>
+  </p:cSld>
+  <p:clrMapOvr>
+    <a:masterClrMapping/>
+  </p:clrMapOvr>
+</p:sld>
+</file>
+
+<file path=ppt/slides/slide26.xml><?xml version="1.0" encoding="utf-8"?>
+<p:sld xmlns:a="http://schemas.openxmlformats.org/drawingml/2006/main" xmlns:r="http://schemas.openxmlformats.org/officeDocument/2006/relationships" xmlns:p="http://schemas.openxmlformats.org/presentationml/2006/main">
+  <p:cSld>
+    <p:spTree>
+      <p:nvGrpSpPr>
+        <p:cNvPr id="1" name=""/>
+        <p:cNvGrpSpPr/>
+        <p:nvPr/>
+      </p:nvGrpSpPr>
+      <p:grpSpPr>
+        <a:xfrm>
+          <a:off x="0" y="0"/>
+          <a:ext cx="0" cy="0"/>
+          <a:chOff x="0" y="0"/>
+          <a:chExt cx="0" cy="0"/>
+        </a:xfrm>
+      </p:grpSpPr>
+      <p:sp>
+        <p:nvSpPr>
+          <p:cNvPr id="2" name="Title 1"/>
+          <p:cNvSpPr>
+            <a:spLocks noGrp="1"/>
+          </p:cNvSpPr>
+          <p:nvPr>
+            <p:ph type="title"/>
+          </p:nvPr>
+        </p:nvSpPr>
+        <p:spPr/>
+        <p:txBody>
+          <a:bodyPr/>
+          <a:lstStyle/>
+          <a:p>
+            <a:r>
+              <a:rPr lang="en-US" b="1" dirty="0">
+                <a:solidFill>
+                  <a:schemeClr val="accent1">
+                    <a:lumMod val="60000"/>
+                    <a:lumOff val="40000"/>
+                  </a:schemeClr>
+                </a:solidFill>
+                <a:latin typeface="Arrival mi"/>
+              </a:rPr>
+              <a:t>Future Work and Acknowledgements</a:t>
+            </a:r>
+          </a:p>
+        </p:txBody>
+      </p:sp>
+      <p:sp>
+        <p:nvSpPr>
+          <p:cNvPr id="3" name="Content Placeholder 2"/>
+          <p:cNvSpPr>
+            <a:spLocks noGrp="1"/>
+          </p:cNvSpPr>
+          <p:nvPr>
+            <p:ph idx="1"/>
+          </p:nvPr>
+        </p:nvSpPr>
+        <p:spPr>
+          <a:xfrm>
+            <a:off x="2895600" y="2057400"/>
+            <a:ext cx="12954000" cy="5943600"/>
+          </a:xfrm>
+        </p:spPr>
+        <p:txBody>
+          <a:bodyPr>
+            <a:noAutofit/>
+          </a:bodyPr>
+          <a:lstStyle/>
+          <a:p>
+            <a:pPr>
+              <a:lnSpc>
+                <a:spcPct val="150000"/>
+              </a:lnSpc>
+            </a:pPr>
+            <a:r>
+              <a:rPr lang="en-US" sz="3200" b="1" dirty="0">
+                <a:latin typeface="Arrival mi"/>
+              </a:rPr>
+              <a:t>Future Work</a:t>
+            </a:r>
+            <a:r>
+              <a:rPr lang="en-US" sz="3200" dirty="0">
+                <a:latin typeface="Arrival mi"/>
+              </a:rPr>
+              <a:t>:</a:t>
+            </a:r>
+          </a:p>
+          <a:p>
+            <a:pPr>
+              <a:lnSpc>
+                <a:spcPct val="150000"/>
+              </a:lnSpc>
+            </a:pPr>
+            <a:r>
+              <a:rPr lang="en-US" sz="3200" dirty="0">
+                <a:latin typeface="Arrival mi"/>
+              </a:rPr>
+              <a:t>Explore advanced regression techniques and feature engineering.</a:t>
+            </a:r>
+          </a:p>
+          <a:p>
+            <a:pPr>
+              <a:lnSpc>
+                <a:spcPct val="150000"/>
+              </a:lnSpc>
+            </a:pPr>
+            <a:r>
+              <a:rPr lang="en-US" sz="3200" dirty="0">
+                <a:latin typeface="Arrival mi"/>
+              </a:rPr>
+              <a:t>Consider a Generalized Linear Model (GLM) for better handling different distributions of the target variable.</a:t>
+            </a:r>
+          </a:p>
+          <a:p>
+            <a:pPr>
+              <a:lnSpc>
+                <a:spcPct val="150000"/>
+              </a:lnSpc>
+            </a:pPr>
+            <a:r>
+              <a:rPr lang="en-US" sz="3200" b="1" dirty="0">
+                <a:latin typeface="Arrival mi"/>
+              </a:rPr>
+              <a:t>Acknowledgements</a:t>
+            </a:r>
+            <a:r>
+              <a:rPr lang="en-US" sz="3200" dirty="0">
+                <a:latin typeface="Arrival mi"/>
+              </a:rPr>
+              <a:t>:</a:t>
+            </a:r>
+          </a:p>
+          <a:p>
+            <a:pPr>
+              <a:lnSpc>
+                <a:spcPct val="150000"/>
+              </a:lnSpc>
+            </a:pPr>
+            <a:r>
+              <a:rPr lang="en-US" sz="3200" dirty="0">
+                <a:latin typeface="Arrival mi"/>
+              </a:rPr>
+              <a:t>Thanks to the UCI Machine Learning Repository for the Abalone dataset.</a:t>
+            </a:r>
+          </a:p>
+          <a:p>
+            <a:pPr>
+              <a:lnSpc>
+                <a:spcPct val="150000"/>
+              </a:lnSpc>
+            </a:pPr>
+            <a:endParaRPr lang="en-US" sz="3200" dirty="0">
+              <a:latin typeface="Arrival mi"/>
+            </a:endParaRPr>
+          </a:p>
+        </p:txBody>
+      </p:sp>
+    </p:spTree>
+    <p:extLst>
+      <p:ext uri="{BB962C8B-B14F-4D97-AF65-F5344CB8AC3E}">
+        <p14:creationId xmlns:p14="http://schemas.microsoft.com/office/powerpoint/2010/main" val="2746884259"/>
+      </p:ext>
+    </p:extLst>
+  </p:cSld>
+  <p:clrMapOvr>
+    <a:masterClrMapping/>
+  </p:clrMapOvr>
+</p:sld>
+</file>
+
+<file path=ppt/slides/slide27.xml><?xml version="1.0" encoding="utf-8"?>
+<p:sld xmlns:a="http://schemas.openxmlformats.org/drawingml/2006/main" xmlns:r="http://schemas.openxmlformats.org/officeDocument/2006/relationships" xmlns:p="http://schemas.openxmlformats.org/presentationml/2006/main">
+  <p:cSld>
+    <p:spTree>
+      <p:nvGrpSpPr>
+        <p:cNvPr id="1" name=""/>
+        <p:cNvGrpSpPr/>
+        <p:nvPr/>
+      </p:nvGrpSpPr>
+      <p:grpSpPr>
+        <a:xfrm>
+          <a:off x="0" y="0"/>
+          <a:ext cx="0" cy="0"/>
+          <a:chOff x="0" y="0"/>
+          <a:chExt cx="0" cy="0"/>
+        </a:xfrm>
+      </p:grpSpPr>
+      <p:sp>
+        <p:nvSpPr>
+          <p:cNvPr id="2" name="Title 1"/>
+          <p:cNvSpPr>
+            <a:spLocks noGrp="1"/>
+          </p:cNvSpPr>
+          <p:nvPr>
+            <p:ph type="title"/>
+          </p:nvPr>
+        </p:nvSpPr>
         <p:spPr>
           <a:xfrm>
             <a:off x="3505200" y="609600"/>
@@ -11134,7 +11841,7 @@
 </p:sld>
 </file>
 
-<file path=ppt/slides/slide22.xml><?xml version="1.0" encoding="utf-8"?>
+<file path=ppt/slides/slide28.xml><?xml version="1.0" encoding="utf-8"?>
 <p:sld xmlns:a="http://schemas.openxmlformats.org/drawingml/2006/main" xmlns:r="http://schemas.openxmlformats.org/officeDocument/2006/relationships" xmlns:p="http://schemas.openxmlformats.org/presentationml/2006/main">
   <p:cSld>
     <p:spTree>
@@ -11272,16 +11979,6 @@
               </a:rPr>
               <a:t>Dataset Overview</a:t>
             </a:r>
-            <a:endParaRPr lang="en-US" sz="5400" b="1" dirty="0">
-              <a:solidFill>
-                <a:schemeClr val="accent1">
-                  <a:lumMod val="60000"/>
-                  <a:lumOff val="40000"/>
-                </a:schemeClr>
-              </a:solidFill>
-              <a:latin typeface="Arrival mi"/>
-              <a:cs typeface="Times New Roman" pitchFamily="18" charset="0"/>
-            </a:endParaRPr>
           </a:p>
         </p:txBody>
       </p:sp>
@@ -11463,9 +12160,6 @@
               </a:rPr>
               <a:t>Target: Rings (Integer, Age = Rings + 1.5)</a:t>
             </a:r>
-            <a:endParaRPr lang="en-US" sz="3600" dirty="0">
-              <a:latin typeface="Arrival mi"/>
-            </a:endParaRPr>
           </a:p>
         </p:txBody>
       </p:sp>
@@ -11535,16 +12229,6 @@
               </a:rPr>
               <a:t>Data Loading and Initial Exploration</a:t>
             </a:r>
-            <a:endParaRPr lang="en-US" sz="6000" b="1" dirty="0">
-              <a:solidFill>
-                <a:schemeClr val="accent1">
-                  <a:lumMod val="60000"/>
-                  <a:lumOff val="40000"/>
-                </a:schemeClr>
-              </a:solidFill>
-              <a:latin typeface="Arrival mi"/>
-              <a:cs typeface="Times New Roman" pitchFamily="18" charset="0"/>
-            </a:endParaRPr>
           </a:p>
         </p:txBody>
       </p:sp>
@@ -11675,9 +12359,6 @@
               </a:rPr>
               <a:t>Handling Missing Values: Mention that there are no missing values in the dataset.</a:t>
             </a:r>
-            <a:endParaRPr lang="en-US" sz="4400" dirty="0">
-              <a:latin typeface="Arrival mi"/>
-            </a:endParaRPr>
           </a:p>
         </p:txBody>
       </p:sp>
@@ -11886,9 +12567,6 @@
               </a:rPr>
               <a:t>1.5 to the Rings column to get the age.</a:t>
             </a:r>
-            <a:endParaRPr lang="en-US" sz="4400" dirty="0">
-              <a:latin typeface="Arrival mi"/>
-            </a:endParaRPr>
           </a:p>
         </p:txBody>
       </p:sp>
@@ -11956,16 +12634,6 @@
               </a:rPr>
               <a:t>Exploratory Data Analysis (EDA)</a:t>
             </a:r>
-            <a:endParaRPr lang="en-US" b="1" dirty="0">
-              <a:solidFill>
-                <a:schemeClr val="accent1">
-                  <a:lumMod val="60000"/>
-                  <a:lumOff val="40000"/>
-                </a:schemeClr>
-              </a:solidFill>
-              <a:latin typeface="Arrival mi"/>
-              <a:cs typeface="Times New Roman" pitchFamily="18" charset="0"/>
-            </a:endParaRPr>
           </a:p>
         </p:txBody>
       </p:sp>
@@ -12137,9 +12805,6 @@
               </a:rPr>
               <a:t>between features and target.</a:t>
             </a:r>
-            <a:endParaRPr lang="en-US" sz="4000" dirty="0">
-              <a:latin typeface="Arrival mi"/>
-            </a:endParaRPr>
           </a:p>
         </p:txBody>
       </p:sp>
@@ -12825,7 +13490,7 @@
   <a:extraClrSchemeLst/>
   <a:extLst>
     <a:ext uri="{05A4C25C-085E-4340-85A3-A5531E510DB2}">
-      <thm15:themeFamily xmlns:thm15="http://schemas.microsoft.com/office/thememl/2012/main" xmlns="" name="Wisp" id="{7CB32D59-10C0-40DD-B7BD-2E94284A981C}" vid="{24B1A44C-C006-48B2-A4D7-E5549B3D8CD4}"/>
+      <thm15:themeFamily xmlns="" xmlns:thm15="http://schemas.microsoft.com/office/thememl/2012/main" name="Wisp" id="{7CB32D59-10C0-40DD-B7BD-2E94284A981C}" vid="{24B1A44C-C006-48B2-A4D7-E5549B3D8CD4}"/>
     </a:ext>
   </a:extLst>
 </a:theme>
